--- a/fig-ppt/network-discriminator.pptx
+++ b/fig-ppt/network-discriminator.pptx
@@ -2,18 +2,18 @@
 <file path=ppt/presentation.xml><?xml version="1.0" encoding="utf-8"?>
 <p:presentation xmlns:a="http://schemas.openxmlformats.org/drawingml/2006/main" xmlns:r="http://schemas.openxmlformats.org/officeDocument/2006/relationships" xmlns:p="http://schemas.openxmlformats.org/presentationml/2006/main" saveSubsetFonts="1">
   <p:sldMasterIdLst>
-    <p:sldMasterId id="2147483648" r:id="rId1"/>
+    <p:sldMasterId id="2147483672" r:id="rId1"/>
   </p:sldMasterIdLst>
   <p:sldIdLst>
     <p:sldId id="257" r:id="rId2"/>
   </p:sldIdLst>
-  <p:sldSz cx="12192000" cy="6858000"/>
+  <p:sldSz cx="7343775" cy="6858000"/>
   <p:notesSz cx="6858000" cy="9144000"/>
   <p:defaultTextStyle>
     <a:defPPr>
-      <a:defRPr lang="zh-CN"/>
+      <a:defRPr lang="en-US"/>
     </a:defPPr>
-    <a:lvl1pPr marL="0" algn="l" defTabSz="914400" rtl="0" eaLnBrk="1" latinLnBrk="0" hangingPunct="1">
+    <a:lvl1pPr marL="0" algn="l" defTabSz="457200" rtl="0" eaLnBrk="1" latinLnBrk="0" hangingPunct="1">
       <a:defRPr sz="1800" kern="1200">
         <a:solidFill>
           <a:schemeClr val="tx1"/>
@@ -23,7 +23,7 @@
         <a:cs typeface="+mn-cs"/>
       </a:defRPr>
     </a:lvl1pPr>
-    <a:lvl2pPr marL="457200" algn="l" defTabSz="914400" rtl="0" eaLnBrk="1" latinLnBrk="0" hangingPunct="1">
+    <a:lvl2pPr marL="457200" algn="l" defTabSz="457200" rtl="0" eaLnBrk="1" latinLnBrk="0" hangingPunct="1">
       <a:defRPr sz="1800" kern="1200">
         <a:solidFill>
           <a:schemeClr val="tx1"/>
@@ -33,7 +33,7 @@
         <a:cs typeface="+mn-cs"/>
       </a:defRPr>
     </a:lvl2pPr>
-    <a:lvl3pPr marL="914400" algn="l" defTabSz="914400" rtl="0" eaLnBrk="1" latinLnBrk="0" hangingPunct="1">
+    <a:lvl3pPr marL="914400" algn="l" defTabSz="457200" rtl="0" eaLnBrk="1" latinLnBrk="0" hangingPunct="1">
       <a:defRPr sz="1800" kern="1200">
         <a:solidFill>
           <a:schemeClr val="tx1"/>
@@ -43,7 +43,7 @@
         <a:cs typeface="+mn-cs"/>
       </a:defRPr>
     </a:lvl3pPr>
-    <a:lvl4pPr marL="1371600" algn="l" defTabSz="914400" rtl="0" eaLnBrk="1" latinLnBrk="0" hangingPunct="1">
+    <a:lvl4pPr marL="1371600" algn="l" defTabSz="457200" rtl="0" eaLnBrk="1" latinLnBrk="0" hangingPunct="1">
       <a:defRPr sz="1800" kern="1200">
         <a:solidFill>
           <a:schemeClr val="tx1"/>
@@ -53,7 +53,7 @@
         <a:cs typeface="+mn-cs"/>
       </a:defRPr>
     </a:lvl4pPr>
-    <a:lvl5pPr marL="1828800" algn="l" defTabSz="914400" rtl="0" eaLnBrk="1" latinLnBrk="0" hangingPunct="1">
+    <a:lvl5pPr marL="1828800" algn="l" defTabSz="457200" rtl="0" eaLnBrk="1" latinLnBrk="0" hangingPunct="1">
       <a:defRPr sz="1800" kern="1200">
         <a:solidFill>
           <a:schemeClr val="tx1"/>
@@ -63,7 +63,7 @@
         <a:cs typeface="+mn-cs"/>
       </a:defRPr>
     </a:lvl5pPr>
-    <a:lvl6pPr marL="2286000" algn="l" defTabSz="914400" rtl="0" eaLnBrk="1" latinLnBrk="0" hangingPunct="1">
+    <a:lvl6pPr marL="2286000" algn="l" defTabSz="457200" rtl="0" eaLnBrk="1" latinLnBrk="0" hangingPunct="1">
       <a:defRPr sz="1800" kern="1200">
         <a:solidFill>
           <a:schemeClr val="tx1"/>
@@ -73,7 +73,7 @@
         <a:cs typeface="+mn-cs"/>
       </a:defRPr>
     </a:lvl6pPr>
-    <a:lvl7pPr marL="2743200" algn="l" defTabSz="914400" rtl="0" eaLnBrk="1" latinLnBrk="0" hangingPunct="1">
+    <a:lvl7pPr marL="2743200" algn="l" defTabSz="457200" rtl="0" eaLnBrk="1" latinLnBrk="0" hangingPunct="1">
       <a:defRPr sz="1800" kern="1200">
         <a:solidFill>
           <a:schemeClr val="tx1"/>
@@ -83,7 +83,7 @@
         <a:cs typeface="+mn-cs"/>
       </a:defRPr>
     </a:lvl7pPr>
-    <a:lvl8pPr marL="3200400" algn="l" defTabSz="914400" rtl="0" eaLnBrk="1" latinLnBrk="0" hangingPunct="1">
+    <a:lvl8pPr marL="3200400" algn="l" defTabSz="457200" rtl="0" eaLnBrk="1" latinLnBrk="0" hangingPunct="1">
       <a:defRPr sz="1800" kern="1200">
         <a:solidFill>
           <a:schemeClr val="tx1"/>
@@ -93,7 +93,7 @@
         <a:cs typeface="+mn-cs"/>
       </a:defRPr>
     </a:lvl8pPr>
-    <a:lvl9pPr marL="3657600" algn="l" defTabSz="914400" rtl="0" eaLnBrk="1" latinLnBrk="0" hangingPunct="1">
+    <a:lvl9pPr marL="3657600" algn="l" defTabSz="457200" rtl="0" eaLnBrk="1" latinLnBrk="0" hangingPunct="1">
       <a:defRPr sz="1800" kern="1200">
         <a:solidFill>
           <a:schemeClr val="tx1"/>
@@ -131,13 +131,7 @@
       </p:grpSpPr>
       <p:sp>
         <p:nvSpPr>
-          <p:cNvPr id="2" name="标题 1">
-            <a:extLst>
-              <a:ext uri="{FF2B5EF4-FFF2-40B4-BE49-F238E27FC236}">
-                <a16:creationId xmlns:a16="http://schemas.microsoft.com/office/drawing/2014/main" id="{428FB368-FBD4-968F-F256-A90E6BEAF1F9}"/>
-              </a:ext>
-            </a:extLst>
-          </p:cNvPr>
+          <p:cNvPr id="2" name="Title 1"/>
           <p:cNvSpPr>
             <a:spLocks noGrp="1"/>
           </p:cNvSpPr>
@@ -147,15 +141,15 @@
         </p:nvSpPr>
         <p:spPr>
           <a:xfrm>
-            <a:off x="1524000" y="1122363"/>
-            <a:ext cx="9144000" cy="2387600"/>
+            <a:off x="550783" y="1122363"/>
+            <a:ext cx="6242209" cy="2387600"/>
           </a:xfrm>
         </p:spPr>
         <p:txBody>
           <a:bodyPr anchor="b"/>
           <a:lstStyle>
             <a:lvl1pPr algn="ctr">
-              <a:defRPr sz="6000"/>
+              <a:defRPr sz="4819"/>
             </a:lvl1pPr>
           </a:lstStyle>
           <a:p>
@@ -163,18 +157,13 @@
               <a:rPr lang="zh-CN" altLang="en-US"/>
               <a:t>单击此处编辑母版标题样式</a:t>
             </a:r>
-          </a:p>
-        </p:txBody>
-      </p:sp>
-      <p:sp>
-        <p:nvSpPr>
-          <p:cNvPr id="3" name="副标题 2">
-            <a:extLst>
-              <a:ext uri="{FF2B5EF4-FFF2-40B4-BE49-F238E27FC236}">
-                <a16:creationId xmlns:a16="http://schemas.microsoft.com/office/drawing/2014/main" id="{5B5DA621-2038-3425-9E8C-85FBADBBC6F1}"/>
-              </a:ext>
-            </a:extLst>
-          </p:cNvPr>
+            <a:endParaRPr lang="en-US" dirty="0"/>
+          </a:p>
+        </p:txBody>
+      </p:sp>
+      <p:sp>
+        <p:nvSpPr>
+          <p:cNvPr id="3" name="Subtitle 2"/>
           <p:cNvSpPr>
             <a:spLocks noGrp="1"/>
           </p:cNvSpPr>
@@ -184,8 +173,8 @@
         </p:nvSpPr>
         <p:spPr>
           <a:xfrm>
-            <a:off x="1524000" y="3602038"/>
-            <a:ext cx="9144000" cy="1655762"/>
+            <a:off x="917972" y="3602038"/>
+            <a:ext cx="5507831" cy="1655762"/>
           </a:xfrm>
         </p:spPr>
         <p:txBody>
@@ -193,39 +182,39 @@
           <a:lstStyle>
             <a:lvl1pPr marL="0" indent="0" algn="ctr">
               <a:buNone/>
-              <a:defRPr sz="2400"/>
+              <a:defRPr sz="1927"/>
             </a:lvl1pPr>
-            <a:lvl2pPr marL="457200" indent="0" algn="ctr">
-              <a:buNone/>
-              <a:defRPr sz="2000"/>
+            <a:lvl2pPr marL="367177" indent="0" algn="ctr">
+              <a:buNone/>
+              <a:defRPr sz="1606"/>
             </a:lvl2pPr>
-            <a:lvl3pPr marL="914400" indent="0" algn="ctr">
-              <a:buNone/>
-              <a:defRPr sz="1800"/>
+            <a:lvl3pPr marL="734355" indent="0" algn="ctr">
+              <a:buNone/>
+              <a:defRPr sz="1446"/>
             </a:lvl3pPr>
-            <a:lvl4pPr marL="1371600" indent="0" algn="ctr">
-              <a:buNone/>
-              <a:defRPr sz="1600"/>
+            <a:lvl4pPr marL="1101532" indent="0" algn="ctr">
+              <a:buNone/>
+              <a:defRPr sz="1285"/>
             </a:lvl4pPr>
-            <a:lvl5pPr marL="1828800" indent="0" algn="ctr">
-              <a:buNone/>
-              <a:defRPr sz="1600"/>
+            <a:lvl5pPr marL="1468709" indent="0" algn="ctr">
+              <a:buNone/>
+              <a:defRPr sz="1285"/>
             </a:lvl5pPr>
-            <a:lvl6pPr marL="2286000" indent="0" algn="ctr">
-              <a:buNone/>
-              <a:defRPr sz="1600"/>
+            <a:lvl6pPr marL="1835887" indent="0" algn="ctr">
+              <a:buNone/>
+              <a:defRPr sz="1285"/>
             </a:lvl6pPr>
-            <a:lvl7pPr marL="2743200" indent="0" algn="ctr">
-              <a:buNone/>
-              <a:defRPr sz="1600"/>
+            <a:lvl7pPr marL="2203064" indent="0" algn="ctr">
+              <a:buNone/>
+              <a:defRPr sz="1285"/>
             </a:lvl7pPr>
-            <a:lvl8pPr marL="3200400" indent="0" algn="ctr">
-              <a:buNone/>
-              <a:defRPr sz="1600"/>
+            <a:lvl8pPr marL="2570241" indent="0" algn="ctr">
+              <a:buNone/>
+              <a:defRPr sz="1285"/>
             </a:lvl8pPr>
-            <a:lvl9pPr marL="3657600" indent="0" algn="ctr">
-              <a:buNone/>
-              <a:defRPr sz="1600"/>
+            <a:lvl9pPr marL="2937419" indent="0" algn="ctr">
+              <a:buNone/>
+              <a:defRPr sz="1285"/>
             </a:lvl9pPr>
           </a:lstStyle>
           <a:p>
@@ -233,18 +222,13 @@
               <a:rPr lang="zh-CN" altLang="en-US"/>
               <a:t>单击此处编辑母版副标题样式</a:t>
             </a:r>
-          </a:p>
-        </p:txBody>
-      </p:sp>
-      <p:sp>
-        <p:nvSpPr>
-          <p:cNvPr id="4" name="日期占位符 3">
-            <a:extLst>
-              <a:ext uri="{FF2B5EF4-FFF2-40B4-BE49-F238E27FC236}">
-                <a16:creationId xmlns:a16="http://schemas.microsoft.com/office/drawing/2014/main" id="{29B04B7C-9F2F-7AEF-82DC-0E23A4C44A69}"/>
-              </a:ext>
-            </a:extLst>
-          </p:cNvPr>
+            <a:endParaRPr lang="en-US" dirty="0"/>
+          </a:p>
+        </p:txBody>
+      </p:sp>
+      <p:sp>
+        <p:nvSpPr>
+          <p:cNvPr id="4" name="Date Placeholder 3"/>
           <p:cNvSpPr>
             <a:spLocks noGrp="1"/>
           </p:cNvSpPr>
@@ -259,7 +243,7 @@
           <a:p>
             <a:fld id="{AECF576C-C80D-4FAA-9976-90A76616BF76}" type="datetimeFigureOut">
               <a:rPr lang="zh-CN" altLang="en-US" smtClean="0"/>
-              <a:t>2023/3/13</a:t>
+              <a:t>2023/4/5</a:t>
             </a:fld>
             <a:endParaRPr lang="zh-CN" altLang="en-US"/>
           </a:p>
@@ -267,13 +251,7 @@
       </p:sp>
       <p:sp>
         <p:nvSpPr>
-          <p:cNvPr id="5" name="页脚占位符 4">
-            <a:extLst>
-              <a:ext uri="{FF2B5EF4-FFF2-40B4-BE49-F238E27FC236}">
-                <a16:creationId xmlns:a16="http://schemas.microsoft.com/office/drawing/2014/main" id="{FA42EE8D-F376-CEBD-B7F0-964D23CA8A3A}"/>
-              </a:ext>
-            </a:extLst>
-          </p:cNvPr>
+          <p:cNvPr id="5" name="Footer Placeholder 4"/>
           <p:cNvSpPr>
             <a:spLocks noGrp="1"/>
           </p:cNvSpPr>
@@ -292,13 +270,7 @@
       </p:sp>
       <p:sp>
         <p:nvSpPr>
-          <p:cNvPr id="6" name="灯片编号占位符 5">
-            <a:extLst>
-              <a:ext uri="{FF2B5EF4-FFF2-40B4-BE49-F238E27FC236}">
-                <a16:creationId xmlns:a16="http://schemas.microsoft.com/office/drawing/2014/main" id="{72F75BB3-ADD5-9AF3-D9D6-479B19292DB9}"/>
-              </a:ext>
-            </a:extLst>
-          </p:cNvPr>
+          <p:cNvPr id="6" name="Slide Number Placeholder 5"/>
           <p:cNvSpPr>
             <a:spLocks noGrp="1"/>
           </p:cNvSpPr>
@@ -322,7 +294,7 @@
     </p:spTree>
     <p:extLst>
       <p:ext uri="{BB962C8B-B14F-4D97-AF65-F5344CB8AC3E}">
-        <p14:creationId xmlns:p14="http://schemas.microsoft.com/office/powerpoint/2010/main" val="3248905581"/>
+        <p14:creationId xmlns:p14="http://schemas.microsoft.com/office/powerpoint/2010/main" val="1633158459"/>
       </p:ext>
     </p:extLst>
   </p:cSld>
@@ -351,13 +323,7 @@
       </p:grpSpPr>
       <p:sp>
         <p:nvSpPr>
-          <p:cNvPr id="2" name="标题 1">
-            <a:extLst>
-              <a:ext uri="{FF2B5EF4-FFF2-40B4-BE49-F238E27FC236}">
-                <a16:creationId xmlns:a16="http://schemas.microsoft.com/office/drawing/2014/main" id="{565B5D14-39D6-AF18-87DA-8003EA9597D0}"/>
-              </a:ext>
-            </a:extLst>
-          </p:cNvPr>
+          <p:cNvPr id="2" name="Title 1"/>
           <p:cNvSpPr>
             <a:spLocks noGrp="1"/>
           </p:cNvSpPr>
@@ -374,18 +340,13 @@
               <a:rPr lang="zh-CN" altLang="en-US"/>
               <a:t>单击此处编辑母版标题样式</a:t>
             </a:r>
-          </a:p>
-        </p:txBody>
-      </p:sp>
-      <p:sp>
-        <p:nvSpPr>
-          <p:cNvPr id="3" name="竖排文字占位符 2">
-            <a:extLst>
-              <a:ext uri="{FF2B5EF4-FFF2-40B4-BE49-F238E27FC236}">
-                <a16:creationId xmlns:a16="http://schemas.microsoft.com/office/drawing/2014/main" id="{FA1B4C8F-C50B-57F9-11CB-858D952FFDCB}"/>
-              </a:ext>
-            </a:extLst>
-          </p:cNvPr>
+            <a:endParaRPr lang="en-US" dirty="0"/>
+          </a:p>
+        </p:txBody>
+      </p:sp>
+      <p:sp>
+        <p:nvSpPr>
+          <p:cNvPr id="3" name="Vertical Text Placeholder 2"/>
           <p:cNvSpPr>
             <a:spLocks noGrp="1"/>
           </p:cNvSpPr>
@@ -431,18 +392,13 @@
               <a:rPr lang="zh-CN" altLang="en-US"/>
               <a:t>五级</a:t>
             </a:r>
-          </a:p>
-        </p:txBody>
-      </p:sp>
-      <p:sp>
-        <p:nvSpPr>
-          <p:cNvPr id="4" name="日期占位符 3">
-            <a:extLst>
-              <a:ext uri="{FF2B5EF4-FFF2-40B4-BE49-F238E27FC236}">
-                <a16:creationId xmlns:a16="http://schemas.microsoft.com/office/drawing/2014/main" id="{73C2FF13-5643-0223-A799-F369AEA2A400}"/>
-              </a:ext>
-            </a:extLst>
-          </p:cNvPr>
+            <a:endParaRPr lang="en-US" dirty="0"/>
+          </a:p>
+        </p:txBody>
+      </p:sp>
+      <p:sp>
+        <p:nvSpPr>
+          <p:cNvPr id="4" name="Date Placeholder 3"/>
           <p:cNvSpPr>
             <a:spLocks noGrp="1"/>
           </p:cNvSpPr>
@@ -457,7 +413,7 @@
           <a:p>
             <a:fld id="{AECF576C-C80D-4FAA-9976-90A76616BF76}" type="datetimeFigureOut">
               <a:rPr lang="zh-CN" altLang="en-US" smtClean="0"/>
-              <a:t>2023/3/13</a:t>
+              <a:t>2023/4/5</a:t>
             </a:fld>
             <a:endParaRPr lang="zh-CN" altLang="en-US"/>
           </a:p>
@@ -465,13 +421,7 @@
       </p:sp>
       <p:sp>
         <p:nvSpPr>
-          <p:cNvPr id="5" name="页脚占位符 4">
-            <a:extLst>
-              <a:ext uri="{FF2B5EF4-FFF2-40B4-BE49-F238E27FC236}">
-                <a16:creationId xmlns:a16="http://schemas.microsoft.com/office/drawing/2014/main" id="{41F1222B-14B8-A043-2807-D31A61D15AFB}"/>
-              </a:ext>
-            </a:extLst>
-          </p:cNvPr>
+          <p:cNvPr id="5" name="Footer Placeholder 4"/>
           <p:cNvSpPr>
             <a:spLocks noGrp="1"/>
           </p:cNvSpPr>
@@ -490,13 +440,7 @@
       </p:sp>
       <p:sp>
         <p:nvSpPr>
-          <p:cNvPr id="6" name="灯片编号占位符 5">
-            <a:extLst>
-              <a:ext uri="{FF2B5EF4-FFF2-40B4-BE49-F238E27FC236}">
-                <a16:creationId xmlns:a16="http://schemas.microsoft.com/office/drawing/2014/main" id="{B690BAE8-921D-D4F2-5E61-23717283E155}"/>
-              </a:ext>
-            </a:extLst>
-          </p:cNvPr>
+          <p:cNvPr id="6" name="Slide Number Placeholder 5"/>
           <p:cNvSpPr>
             <a:spLocks noGrp="1"/>
           </p:cNvSpPr>
@@ -520,7 +464,7 @@
     </p:spTree>
     <p:extLst>
       <p:ext uri="{BB962C8B-B14F-4D97-AF65-F5344CB8AC3E}">
-        <p14:creationId xmlns:p14="http://schemas.microsoft.com/office/powerpoint/2010/main" val="4269687511"/>
+        <p14:creationId xmlns:p14="http://schemas.microsoft.com/office/powerpoint/2010/main" val="2011566479"/>
       </p:ext>
     </p:extLst>
   </p:cSld>
@@ -549,13 +493,7 @@
       </p:grpSpPr>
       <p:sp>
         <p:nvSpPr>
-          <p:cNvPr id="2" name="竖排标题 1">
-            <a:extLst>
-              <a:ext uri="{FF2B5EF4-FFF2-40B4-BE49-F238E27FC236}">
-                <a16:creationId xmlns:a16="http://schemas.microsoft.com/office/drawing/2014/main" id="{F4206628-8170-5BDC-96CC-31AAC5766724}"/>
-              </a:ext>
-            </a:extLst>
-          </p:cNvPr>
+          <p:cNvPr id="2" name="Vertical Title 1"/>
           <p:cNvSpPr>
             <a:spLocks noGrp="1"/>
           </p:cNvSpPr>
@@ -565,8 +503,8 @@
         </p:nvSpPr>
         <p:spPr>
           <a:xfrm>
-            <a:off x="8724900" y="365125"/>
-            <a:ext cx="2628900" cy="5811838"/>
+            <a:off x="5255390" y="365125"/>
+            <a:ext cx="1583501" cy="5811838"/>
           </a:xfrm>
         </p:spPr>
         <p:txBody>
@@ -577,18 +515,13 @@
               <a:rPr lang="zh-CN" altLang="en-US"/>
               <a:t>单击此处编辑母版标题样式</a:t>
             </a:r>
-          </a:p>
-        </p:txBody>
-      </p:sp>
-      <p:sp>
-        <p:nvSpPr>
-          <p:cNvPr id="3" name="竖排文字占位符 2">
-            <a:extLst>
-              <a:ext uri="{FF2B5EF4-FFF2-40B4-BE49-F238E27FC236}">
-                <a16:creationId xmlns:a16="http://schemas.microsoft.com/office/drawing/2014/main" id="{88323813-C6F5-F162-A4E4-228542F99919}"/>
-              </a:ext>
-            </a:extLst>
-          </p:cNvPr>
+            <a:endParaRPr lang="en-US" dirty="0"/>
+          </a:p>
+        </p:txBody>
+      </p:sp>
+      <p:sp>
+        <p:nvSpPr>
+          <p:cNvPr id="3" name="Vertical Text Placeholder 2"/>
           <p:cNvSpPr>
             <a:spLocks noGrp="1"/>
           </p:cNvSpPr>
@@ -598,8 +531,8 @@
         </p:nvSpPr>
         <p:spPr>
           <a:xfrm>
-            <a:off x="838200" y="365125"/>
-            <a:ext cx="7734300" cy="5811838"/>
+            <a:off x="504885" y="365125"/>
+            <a:ext cx="4658707" cy="5811838"/>
           </a:xfrm>
         </p:spPr>
         <p:txBody>
@@ -639,18 +572,13 @@
               <a:rPr lang="zh-CN" altLang="en-US"/>
               <a:t>五级</a:t>
             </a:r>
-          </a:p>
-        </p:txBody>
-      </p:sp>
-      <p:sp>
-        <p:nvSpPr>
-          <p:cNvPr id="4" name="日期占位符 3">
-            <a:extLst>
-              <a:ext uri="{FF2B5EF4-FFF2-40B4-BE49-F238E27FC236}">
-                <a16:creationId xmlns:a16="http://schemas.microsoft.com/office/drawing/2014/main" id="{5EADC4C0-2D57-69D1-A44A-F9C46D6D9144}"/>
-              </a:ext>
-            </a:extLst>
-          </p:cNvPr>
+            <a:endParaRPr lang="en-US" dirty="0"/>
+          </a:p>
+        </p:txBody>
+      </p:sp>
+      <p:sp>
+        <p:nvSpPr>
+          <p:cNvPr id="4" name="Date Placeholder 3"/>
           <p:cNvSpPr>
             <a:spLocks noGrp="1"/>
           </p:cNvSpPr>
@@ -665,7 +593,7 @@
           <a:p>
             <a:fld id="{AECF576C-C80D-4FAA-9976-90A76616BF76}" type="datetimeFigureOut">
               <a:rPr lang="zh-CN" altLang="en-US" smtClean="0"/>
-              <a:t>2023/3/13</a:t>
+              <a:t>2023/4/5</a:t>
             </a:fld>
             <a:endParaRPr lang="zh-CN" altLang="en-US"/>
           </a:p>
@@ -673,13 +601,7 @@
       </p:sp>
       <p:sp>
         <p:nvSpPr>
-          <p:cNvPr id="5" name="页脚占位符 4">
-            <a:extLst>
-              <a:ext uri="{FF2B5EF4-FFF2-40B4-BE49-F238E27FC236}">
-                <a16:creationId xmlns:a16="http://schemas.microsoft.com/office/drawing/2014/main" id="{4712884A-F6EE-080E-7263-5335DD36309C}"/>
-              </a:ext>
-            </a:extLst>
-          </p:cNvPr>
+          <p:cNvPr id="5" name="Footer Placeholder 4"/>
           <p:cNvSpPr>
             <a:spLocks noGrp="1"/>
           </p:cNvSpPr>
@@ -698,13 +620,7 @@
       </p:sp>
       <p:sp>
         <p:nvSpPr>
-          <p:cNvPr id="6" name="灯片编号占位符 5">
-            <a:extLst>
-              <a:ext uri="{FF2B5EF4-FFF2-40B4-BE49-F238E27FC236}">
-                <a16:creationId xmlns:a16="http://schemas.microsoft.com/office/drawing/2014/main" id="{3D4A8612-95D2-403C-BDE2-8D515FD885CF}"/>
-              </a:ext>
-            </a:extLst>
-          </p:cNvPr>
+          <p:cNvPr id="6" name="Slide Number Placeholder 5"/>
           <p:cNvSpPr>
             <a:spLocks noGrp="1"/>
           </p:cNvSpPr>
@@ -728,7 +644,7 @@
     </p:spTree>
     <p:extLst>
       <p:ext uri="{BB962C8B-B14F-4D97-AF65-F5344CB8AC3E}">
-        <p14:creationId xmlns:p14="http://schemas.microsoft.com/office/powerpoint/2010/main" val="4264919432"/>
+        <p14:creationId xmlns:p14="http://schemas.microsoft.com/office/powerpoint/2010/main" val="3814672487"/>
       </p:ext>
     </p:extLst>
   </p:cSld>
@@ -757,13 +673,7 @@
       </p:grpSpPr>
       <p:sp>
         <p:nvSpPr>
-          <p:cNvPr id="2" name="标题 1">
-            <a:extLst>
-              <a:ext uri="{FF2B5EF4-FFF2-40B4-BE49-F238E27FC236}">
-                <a16:creationId xmlns:a16="http://schemas.microsoft.com/office/drawing/2014/main" id="{402B66BE-1883-5220-EB4E-D6DA59745ED1}"/>
-              </a:ext>
-            </a:extLst>
-          </p:cNvPr>
+          <p:cNvPr id="2" name="Title 1"/>
           <p:cNvSpPr>
             <a:spLocks noGrp="1"/>
           </p:cNvSpPr>
@@ -780,18 +690,13 @@
               <a:rPr lang="zh-CN" altLang="en-US"/>
               <a:t>单击此处编辑母版标题样式</a:t>
             </a:r>
-          </a:p>
-        </p:txBody>
-      </p:sp>
-      <p:sp>
-        <p:nvSpPr>
-          <p:cNvPr id="3" name="内容占位符 2">
-            <a:extLst>
-              <a:ext uri="{FF2B5EF4-FFF2-40B4-BE49-F238E27FC236}">
-                <a16:creationId xmlns:a16="http://schemas.microsoft.com/office/drawing/2014/main" id="{71917BAA-4994-1E75-8C02-6D74F27FFBE4}"/>
-              </a:ext>
-            </a:extLst>
-          </p:cNvPr>
+            <a:endParaRPr lang="en-US" dirty="0"/>
+          </a:p>
+        </p:txBody>
+      </p:sp>
+      <p:sp>
+        <p:nvSpPr>
+          <p:cNvPr id="3" name="Content Placeholder 2"/>
           <p:cNvSpPr>
             <a:spLocks noGrp="1"/>
           </p:cNvSpPr>
@@ -837,18 +742,13 @@
               <a:rPr lang="zh-CN" altLang="en-US"/>
               <a:t>五级</a:t>
             </a:r>
-          </a:p>
-        </p:txBody>
-      </p:sp>
-      <p:sp>
-        <p:nvSpPr>
-          <p:cNvPr id="4" name="日期占位符 3">
-            <a:extLst>
-              <a:ext uri="{FF2B5EF4-FFF2-40B4-BE49-F238E27FC236}">
-                <a16:creationId xmlns:a16="http://schemas.microsoft.com/office/drawing/2014/main" id="{E8377843-28B6-8922-E1D2-8C2D1BE73184}"/>
-              </a:ext>
-            </a:extLst>
-          </p:cNvPr>
+            <a:endParaRPr lang="en-US" dirty="0"/>
+          </a:p>
+        </p:txBody>
+      </p:sp>
+      <p:sp>
+        <p:nvSpPr>
+          <p:cNvPr id="4" name="Date Placeholder 3"/>
           <p:cNvSpPr>
             <a:spLocks noGrp="1"/>
           </p:cNvSpPr>
@@ -863,7 +763,7 @@
           <a:p>
             <a:fld id="{AECF576C-C80D-4FAA-9976-90A76616BF76}" type="datetimeFigureOut">
               <a:rPr lang="zh-CN" altLang="en-US" smtClean="0"/>
-              <a:t>2023/3/13</a:t>
+              <a:t>2023/4/5</a:t>
             </a:fld>
             <a:endParaRPr lang="zh-CN" altLang="en-US"/>
           </a:p>
@@ -871,13 +771,7 @@
       </p:sp>
       <p:sp>
         <p:nvSpPr>
-          <p:cNvPr id="5" name="页脚占位符 4">
-            <a:extLst>
-              <a:ext uri="{FF2B5EF4-FFF2-40B4-BE49-F238E27FC236}">
-                <a16:creationId xmlns:a16="http://schemas.microsoft.com/office/drawing/2014/main" id="{4B4444DD-BABB-4B09-C726-F8BE23637050}"/>
-              </a:ext>
-            </a:extLst>
-          </p:cNvPr>
+          <p:cNvPr id="5" name="Footer Placeholder 4"/>
           <p:cNvSpPr>
             <a:spLocks noGrp="1"/>
           </p:cNvSpPr>
@@ -896,13 +790,7 @@
       </p:sp>
       <p:sp>
         <p:nvSpPr>
-          <p:cNvPr id="6" name="灯片编号占位符 5">
-            <a:extLst>
-              <a:ext uri="{FF2B5EF4-FFF2-40B4-BE49-F238E27FC236}">
-                <a16:creationId xmlns:a16="http://schemas.microsoft.com/office/drawing/2014/main" id="{1A187227-EADB-DD9D-E987-A50E86048D07}"/>
-              </a:ext>
-            </a:extLst>
-          </p:cNvPr>
+          <p:cNvPr id="6" name="Slide Number Placeholder 5"/>
           <p:cNvSpPr>
             <a:spLocks noGrp="1"/>
           </p:cNvSpPr>
@@ -926,7 +814,7 @@
     </p:spTree>
     <p:extLst>
       <p:ext uri="{BB962C8B-B14F-4D97-AF65-F5344CB8AC3E}">
-        <p14:creationId xmlns:p14="http://schemas.microsoft.com/office/powerpoint/2010/main" val="2362273197"/>
+        <p14:creationId xmlns:p14="http://schemas.microsoft.com/office/powerpoint/2010/main" val="2905711795"/>
       </p:ext>
     </p:extLst>
   </p:cSld>
@@ -955,13 +843,7 @@
       </p:grpSpPr>
       <p:sp>
         <p:nvSpPr>
-          <p:cNvPr id="2" name="标题 1">
-            <a:extLst>
-              <a:ext uri="{FF2B5EF4-FFF2-40B4-BE49-F238E27FC236}">
-                <a16:creationId xmlns:a16="http://schemas.microsoft.com/office/drawing/2014/main" id="{0F494CE4-D37B-2925-6C52-6EBB723385C2}"/>
-              </a:ext>
-            </a:extLst>
-          </p:cNvPr>
+          <p:cNvPr id="2" name="Title 1"/>
           <p:cNvSpPr>
             <a:spLocks noGrp="1"/>
           </p:cNvSpPr>
@@ -971,15 +853,15 @@
         </p:nvSpPr>
         <p:spPr>
           <a:xfrm>
-            <a:off x="831850" y="1709738"/>
-            <a:ext cx="10515600" cy="2852737"/>
+            <a:off x="501060" y="1709740"/>
+            <a:ext cx="6334006" cy="2852737"/>
           </a:xfrm>
         </p:spPr>
         <p:txBody>
           <a:bodyPr anchor="b"/>
           <a:lstStyle>
             <a:lvl1pPr>
-              <a:defRPr sz="6000"/>
+              <a:defRPr sz="4819"/>
             </a:lvl1pPr>
           </a:lstStyle>
           <a:p>
@@ -987,18 +869,13 @@
               <a:rPr lang="zh-CN" altLang="en-US"/>
               <a:t>单击此处编辑母版标题样式</a:t>
             </a:r>
-          </a:p>
-        </p:txBody>
-      </p:sp>
-      <p:sp>
-        <p:nvSpPr>
-          <p:cNvPr id="3" name="文本占位符 2">
-            <a:extLst>
-              <a:ext uri="{FF2B5EF4-FFF2-40B4-BE49-F238E27FC236}">
-                <a16:creationId xmlns:a16="http://schemas.microsoft.com/office/drawing/2014/main" id="{83C6A4AA-FAEE-B158-325A-9F67A11F94BC}"/>
-              </a:ext>
-            </a:extLst>
-          </p:cNvPr>
+            <a:endParaRPr lang="en-US" dirty="0"/>
+          </a:p>
+        </p:txBody>
+      </p:sp>
+      <p:sp>
+        <p:nvSpPr>
+          <p:cNvPr id="3" name="Text Placeholder 2"/>
           <p:cNvSpPr>
             <a:spLocks noGrp="1"/>
           </p:cNvSpPr>
@@ -1008,8 +885,8 @@
         </p:nvSpPr>
         <p:spPr>
           <a:xfrm>
-            <a:off x="831850" y="4589463"/>
-            <a:ext cx="10515600" cy="1500187"/>
+            <a:off x="501060" y="4589465"/>
+            <a:ext cx="6334006" cy="1500187"/>
           </a:xfrm>
         </p:spPr>
         <p:txBody>
@@ -1017,17 +894,15 @@
           <a:lstStyle>
             <a:lvl1pPr marL="0" indent="0">
               <a:buNone/>
-              <a:defRPr sz="2400">
+              <a:defRPr sz="1927">
                 <a:solidFill>
-                  <a:schemeClr val="tx1">
-                    <a:tint val="75000"/>
-                  </a:schemeClr>
+                  <a:schemeClr val="tx1"/>
                 </a:solidFill>
               </a:defRPr>
             </a:lvl1pPr>
-            <a:lvl2pPr marL="457200" indent="0">
-              <a:buNone/>
-              <a:defRPr sz="2000">
+            <a:lvl2pPr marL="367177" indent="0">
+              <a:buNone/>
+              <a:defRPr sz="1606">
                 <a:solidFill>
                   <a:schemeClr val="tx1">
                     <a:tint val="75000"/>
@@ -1035,9 +910,9 @@
                 </a:solidFill>
               </a:defRPr>
             </a:lvl2pPr>
-            <a:lvl3pPr marL="914400" indent="0">
-              <a:buNone/>
-              <a:defRPr sz="1800">
+            <a:lvl3pPr marL="734355" indent="0">
+              <a:buNone/>
+              <a:defRPr sz="1446">
                 <a:solidFill>
                   <a:schemeClr val="tx1">
                     <a:tint val="75000"/>
@@ -1045,9 +920,9 @@
                 </a:solidFill>
               </a:defRPr>
             </a:lvl3pPr>
-            <a:lvl4pPr marL="1371600" indent="0">
-              <a:buNone/>
-              <a:defRPr sz="1600">
+            <a:lvl4pPr marL="1101532" indent="0">
+              <a:buNone/>
+              <a:defRPr sz="1285">
                 <a:solidFill>
                   <a:schemeClr val="tx1">
                     <a:tint val="75000"/>
@@ -1055,9 +930,9 @@
                 </a:solidFill>
               </a:defRPr>
             </a:lvl4pPr>
-            <a:lvl5pPr marL="1828800" indent="0">
-              <a:buNone/>
-              <a:defRPr sz="1600">
+            <a:lvl5pPr marL="1468709" indent="0">
+              <a:buNone/>
+              <a:defRPr sz="1285">
                 <a:solidFill>
                   <a:schemeClr val="tx1">
                     <a:tint val="75000"/>
@@ -1065,9 +940,9 @@
                 </a:solidFill>
               </a:defRPr>
             </a:lvl5pPr>
-            <a:lvl6pPr marL="2286000" indent="0">
-              <a:buNone/>
-              <a:defRPr sz="1600">
+            <a:lvl6pPr marL="1835887" indent="0">
+              <a:buNone/>
+              <a:defRPr sz="1285">
                 <a:solidFill>
                   <a:schemeClr val="tx1">
                     <a:tint val="75000"/>
@@ -1075,9 +950,9 @@
                 </a:solidFill>
               </a:defRPr>
             </a:lvl6pPr>
-            <a:lvl7pPr marL="2743200" indent="0">
-              <a:buNone/>
-              <a:defRPr sz="1600">
+            <a:lvl7pPr marL="2203064" indent="0">
+              <a:buNone/>
+              <a:defRPr sz="1285">
                 <a:solidFill>
                   <a:schemeClr val="tx1">
                     <a:tint val="75000"/>
@@ -1085,9 +960,9 @@
                 </a:solidFill>
               </a:defRPr>
             </a:lvl7pPr>
-            <a:lvl8pPr marL="3200400" indent="0">
-              <a:buNone/>
-              <a:defRPr sz="1600">
+            <a:lvl8pPr marL="2570241" indent="0">
+              <a:buNone/>
+              <a:defRPr sz="1285">
                 <a:solidFill>
                   <a:schemeClr val="tx1">
                     <a:tint val="75000"/>
@@ -1095,9 +970,9 @@
                 </a:solidFill>
               </a:defRPr>
             </a:lvl8pPr>
-            <a:lvl9pPr marL="3657600" indent="0">
-              <a:buNone/>
-              <a:defRPr sz="1600">
+            <a:lvl9pPr marL="2937419" indent="0">
+              <a:buNone/>
+              <a:defRPr sz="1285">
                 <a:solidFill>
                   <a:schemeClr val="tx1">
                     <a:tint val="75000"/>
@@ -1117,13 +992,7 @@
       </p:sp>
       <p:sp>
         <p:nvSpPr>
-          <p:cNvPr id="4" name="日期占位符 3">
-            <a:extLst>
-              <a:ext uri="{FF2B5EF4-FFF2-40B4-BE49-F238E27FC236}">
-                <a16:creationId xmlns:a16="http://schemas.microsoft.com/office/drawing/2014/main" id="{07B230C7-556F-8C52-BBF9-CFC7E9C90B9A}"/>
-              </a:ext>
-            </a:extLst>
-          </p:cNvPr>
+          <p:cNvPr id="4" name="Date Placeholder 3"/>
           <p:cNvSpPr>
             <a:spLocks noGrp="1"/>
           </p:cNvSpPr>
@@ -1138,7 +1007,7 @@
           <a:p>
             <a:fld id="{AECF576C-C80D-4FAA-9976-90A76616BF76}" type="datetimeFigureOut">
               <a:rPr lang="zh-CN" altLang="en-US" smtClean="0"/>
-              <a:t>2023/3/13</a:t>
+              <a:t>2023/4/5</a:t>
             </a:fld>
             <a:endParaRPr lang="zh-CN" altLang="en-US"/>
           </a:p>
@@ -1146,13 +1015,7 @@
       </p:sp>
       <p:sp>
         <p:nvSpPr>
-          <p:cNvPr id="5" name="页脚占位符 4">
-            <a:extLst>
-              <a:ext uri="{FF2B5EF4-FFF2-40B4-BE49-F238E27FC236}">
-                <a16:creationId xmlns:a16="http://schemas.microsoft.com/office/drawing/2014/main" id="{344110D8-0F0F-2469-992D-C28081CC3095}"/>
-              </a:ext>
-            </a:extLst>
-          </p:cNvPr>
+          <p:cNvPr id="5" name="Footer Placeholder 4"/>
           <p:cNvSpPr>
             <a:spLocks noGrp="1"/>
           </p:cNvSpPr>
@@ -1171,13 +1034,7 @@
       </p:sp>
       <p:sp>
         <p:nvSpPr>
-          <p:cNvPr id="6" name="灯片编号占位符 5">
-            <a:extLst>
-              <a:ext uri="{FF2B5EF4-FFF2-40B4-BE49-F238E27FC236}">
-                <a16:creationId xmlns:a16="http://schemas.microsoft.com/office/drawing/2014/main" id="{0F7D5141-16C3-A410-946E-D888B10697EB}"/>
-              </a:ext>
-            </a:extLst>
-          </p:cNvPr>
+          <p:cNvPr id="6" name="Slide Number Placeholder 5"/>
           <p:cNvSpPr>
             <a:spLocks noGrp="1"/>
           </p:cNvSpPr>
@@ -1201,7 +1058,7 @@
     </p:spTree>
     <p:extLst>
       <p:ext uri="{BB962C8B-B14F-4D97-AF65-F5344CB8AC3E}">
-        <p14:creationId xmlns:p14="http://schemas.microsoft.com/office/powerpoint/2010/main" val="2124021951"/>
+        <p14:creationId xmlns:p14="http://schemas.microsoft.com/office/powerpoint/2010/main" val="709004697"/>
       </p:ext>
     </p:extLst>
   </p:cSld>
@@ -1230,13 +1087,7 @@
       </p:grpSpPr>
       <p:sp>
         <p:nvSpPr>
-          <p:cNvPr id="2" name="标题 1">
-            <a:extLst>
-              <a:ext uri="{FF2B5EF4-FFF2-40B4-BE49-F238E27FC236}">
-                <a16:creationId xmlns:a16="http://schemas.microsoft.com/office/drawing/2014/main" id="{CD8F471A-E94B-76DC-8D3C-DA0E586DB877}"/>
-              </a:ext>
-            </a:extLst>
-          </p:cNvPr>
+          <p:cNvPr id="2" name="Title 1"/>
           <p:cNvSpPr>
             <a:spLocks noGrp="1"/>
           </p:cNvSpPr>
@@ -1253,18 +1104,13 @@
               <a:rPr lang="zh-CN" altLang="en-US"/>
               <a:t>单击此处编辑母版标题样式</a:t>
             </a:r>
-          </a:p>
-        </p:txBody>
-      </p:sp>
-      <p:sp>
-        <p:nvSpPr>
-          <p:cNvPr id="3" name="内容占位符 2">
-            <a:extLst>
-              <a:ext uri="{FF2B5EF4-FFF2-40B4-BE49-F238E27FC236}">
-                <a16:creationId xmlns:a16="http://schemas.microsoft.com/office/drawing/2014/main" id="{ADB0256D-73EE-72B6-EA1E-33E516D690CF}"/>
-              </a:ext>
-            </a:extLst>
-          </p:cNvPr>
+            <a:endParaRPr lang="en-US" dirty="0"/>
+          </a:p>
+        </p:txBody>
+      </p:sp>
+      <p:sp>
+        <p:nvSpPr>
+          <p:cNvPr id="3" name="Content Placeholder 2"/>
           <p:cNvSpPr>
             <a:spLocks noGrp="1"/>
           </p:cNvSpPr>
@@ -1274,8 +1120,8 @@
         </p:nvSpPr>
         <p:spPr>
           <a:xfrm>
-            <a:off x="838200" y="1825625"/>
-            <a:ext cx="5181600" cy="4351338"/>
+            <a:off x="504885" y="1825625"/>
+            <a:ext cx="3121104" cy="4351338"/>
           </a:xfrm>
         </p:spPr>
         <p:txBody>
@@ -1315,18 +1161,13 @@
               <a:rPr lang="zh-CN" altLang="en-US"/>
               <a:t>五级</a:t>
             </a:r>
-          </a:p>
-        </p:txBody>
-      </p:sp>
-      <p:sp>
-        <p:nvSpPr>
-          <p:cNvPr id="4" name="内容占位符 3">
-            <a:extLst>
-              <a:ext uri="{FF2B5EF4-FFF2-40B4-BE49-F238E27FC236}">
-                <a16:creationId xmlns:a16="http://schemas.microsoft.com/office/drawing/2014/main" id="{4E6416B7-B9BC-5EF7-8FCF-9F09BBED83DD}"/>
-              </a:ext>
-            </a:extLst>
-          </p:cNvPr>
+            <a:endParaRPr lang="en-US" dirty="0"/>
+          </a:p>
+        </p:txBody>
+      </p:sp>
+      <p:sp>
+        <p:nvSpPr>
+          <p:cNvPr id="4" name="Content Placeholder 3"/>
           <p:cNvSpPr>
             <a:spLocks noGrp="1"/>
           </p:cNvSpPr>
@@ -1336,8 +1177,8 @@
         </p:nvSpPr>
         <p:spPr>
           <a:xfrm>
-            <a:off x="6172200" y="1825625"/>
-            <a:ext cx="5181600" cy="4351338"/>
+            <a:off x="3717786" y="1825625"/>
+            <a:ext cx="3121104" cy="4351338"/>
           </a:xfrm>
         </p:spPr>
         <p:txBody>
@@ -1377,18 +1218,13 @@
               <a:rPr lang="zh-CN" altLang="en-US"/>
               <a:t>五级</a:t>
             </a:r>
-          </a:p>
-        </p:txBody>
-      </p:sp>
-      <p:sp>
-        <p:nvSpPr>
-          <p:cNvPr id="5" name="日期占位符 4">
-            <a:extLst>
-              <a:ext uri="{FF2B5EF4-FFF2-40B4-BE49-F238E27FC236}">
-                <a16:creationId xmlns:a16="http://schemas.microsoft.com/office/drawing/2014/main" id="{EFADB15B-5C5E-56A3-788E-656EF1563DAA}"/>
-              </a:ext>
-            </a:extLst>
-          </p:cNvPr>
+            <a:endParaRPr lang="en-US" dirty="0"/>
+          </a:p>
+        </p:txBody>
+      </p:sp>
+      <p:sp>
+        <p:nvSpPr>
+          <p:cNvPr id="5" name="Date Placeholder 4"/>
           <p:cNvSpPr>
             <a:spLocks noGrp="1"/>
           </p:cNvSpPr>
@@ -1403,7 +1239,7 @@
           <a:p>
             <a:fld id="{AECF576C-C80D-4FAA-9976-90A76616BF76}" type="datetimeFigureOut">
               <a:rPr lang="zh-CN" altLang="en-US" smtClean="0"/>
-              <a:t>2023/3/13</a:t>
+              <a:t>2023/4/5</a:t>
             </a:fld>
             <a:endParaRPr lang="zh-CN" altLang="en-US"/>
           </a:p>
@@ -1411,13 +1247,7 @@
       </p:sp>
       <p:sp>
         <p:nvSpPr>
-          <p:cNvPr id="6" name="页脚占位符 5">
-            <a:extLst>
-              <a:ext uri="{FF2B5EF4-FFF2-40B4-BE49-F238E27FC236}">
-                <a16:creationId xmlns:a16="http://schemas.microsoft.com/office/drawing/2014/main" id="{2EB6E17A-94B2-9FC1-4C11-A0F29F8E9772}"/>
-              </a:ext>
-            </a:extLst>
-          </p:cNvPr>
+          <p:cNvPr id="6" name="Footer Placeholder 5"/>
           <p:cNvSpPr>
             <a:spLocks noGrp="1"/>
           </p:cNvSpPr>
@@ -1436,13 +1266,7 @@
       </p:sp>
       <p:sp>
         <p:nvSpPr>
-          <p:cNvPr id="7" name="灯片编号占位符 6">
-            <a:extLst>
-              <a:ext uri="{FF2B5EF4-FFF2-40B4-BE49-F238E27FC236}">
-                <a16:creationId xmlns:a16="http://schemas.microsoft.com/office/drawing/2014/main" id="{28B89985-44A9-E522-30FD-6ED40FE71E8B}"/>
-              </a:ext>
-            </a:extLst>
-          </p:cNvPr>
+          <p:cNvPr id="7" name="Slide Number Placeholder 6"/>
           <p:cNvSpPr>
             <a:spLocks noGrp="1"/>
           </p:cNvSpPr>
@@ -1466,7 +1290,7 @@
     </p:spTree>
     <p:extLst>
       <p:ext uri="{BB962C8B-B14F-4D97-AF65-F5344CB8AC3E}">
-        <p14:creationId xmlns:p14="http://schemas.microsoft.com/office/powerpoint/2010/main" val="1418844246"/>
+        <p14:creationId xmlns:p14="http://schemas.microsoft.com/office/powerpoint/2010/main" val="537765028"/>
       </p:ext>
     </p:extLst>
   </p:cSld>
@@ -1495,13 +1319,7 @@
       </p:grpSpPr>
       <p:sp>
         <p:nvSpPr>
-          <p:cNvPr id="2" name="标题 1">
-            <a:extLst>
-              <a:ext uri="{FF2B5EF4-FFF2-40B4-BE49-F238E27FC236}">
-                <a16:creationId xmlns:a16="http://schemas.microsoft.com/office/drawing/2014/main" id="{773B6759-4E24-9C0E-5E1A-4F75703C81AD}"/>
-              </a:ext>
-            </a:extLst>
-          </p:cNvPr>
+          <p:cNvPr id="2" name="Title 1"/>
           <p:cNvSpPr>
             <a:spLocks noGrp="1"/>
           </p:cNvSpPr>
@@ -1511,8 +1329,8 @@
         </p:nvSpPr>
         <p:spPr>
           <a:xfrm>
-            <a:off x="839788" y="365125"/>
-            <a:ext cx="10515600" cy="1325563"/>
+            <a:off x="505841" y="365127"/>
+            <a:ext cx="6334006" cy="1325563"/>
           </a:xfrm>
         </p:spPr>
         <p:txBody>
@@ -1523,18 +1341,13 @@
               <a:rPr lang="zh-CN" altLang="en-US"/>
               <a:t>单击此处编辑母版标题样式</a:t>
             </a:r>
-          </a:p>
-        </p:txBody>
-      </p:sp>
-      <p:sp>
-        <p:nvSpPr>
-          <p:cNvPr id="3" name="文本占位符 2">
-            <a:extLst>
-              <a:ext uri="{FF2B5EF4-FFF2-40B4-BE49-F238E27FC236}">
-                <a16:creationId xmlns:a16="http://schemas.microsoft.com/office/drawing/2014/main" id="{2A720652-9C77-AB92-62AE-565F10025699}"/>
-              </a:ext>
-            </a:extLst>
-          </p:cNvPr>
+            <a:endParaRPr lang="en-US" dirty="0"/>
+          </a:p>
+        </p:txBody>
+      </p:sp>
+      <p:sp>
+        <p:nvSpPr>
+          <p:cNvPr id="3" name="Text Placeholder 2"/>
           <p:cNvSpPr>
             <a:spLocks noGrp="1"/>
           </p:cNvSpPr>
@@ -1544,8 +1357,8 @@
         </p:nvSpPr>
         <p:spPr>
           <a:xfrm>
-            <a:off x="839788" y="1681163"/>
-            <a:ext cx="5157787" cy="823912"/>
+            <a:off x="505842" y="1681163"/>
+            <a:ext cx="3106761" cy="823912"/>
           </a:xfrm>
         </p:spPr>
         <p:txBody>
@@ -1553,39 +1366,39 @@
           <a:lstStyle>
             <a:lvl1pPr marL="0" indent="0">
               <a:buNone/>
-              <a:defRPr sz="2400" b="1"/>
+              <a:defRPr sz="1927" b="1"/>
             </a:lvl1pPr>
-            <a:lvl2pPr marL="457200" indent="0">
-              <a:buNone/>
-              <a:defRPr sz="2000" b="1"/>
+            <a:lvl2pPr marL="367177" indent="0">
+              <a:buNone/>
+              <a:defRPr sz="1606" b="1"/>
             </a:lvl2pPr>
-            <a:lvl3pPr marL="914400" indent="0">
-              <a:buNone/>
-              <a:defRPr sz="1800" b="1"/>
+            <a:lvl3pPr marL="734355" indent="0">
+              <a:buNone/>
+              <a:defRPr sz="1446" b="1"/>
             </a:lvl3pPr>
-            <a:lvl4pPr marL="1371600" indent="0">
-              <a:buNone/>
-              <a:defRPr sz="1600" b="1"/>
+            <a:lvl4pPr marL="1101532" indent="0">
+              <a:buNone/>
+              <a:defRPr sz="1285" b="1"/>
             </a:lvl4pPr>
-            <a:lvl5pPr marL="1828800" indent="0">
-              <a:buNone/>
-              <a:defRPr sz="1600" b="1"/>
+            <a:lvl5pPr marL="1468709" indent="0">
+              <a:buNone/>
+              <a:defRPr sz="1285" b="1"/>
             </a:lvl5pPr>
-            <a:lvl6pPr marL="2286000" indent="0">
-              <a:buNone/>
-              <a:defRPr sz="1600" b="1"/>
+            <a:lvl6pPr marL="1835887" indent="0">
+              <a:buNone/>
+              <a:defRPr sz="1285" b="1"/>
             </a:lvl6pPr>
-            <a:lvl7pPr marL="2743200" indent="0">
-              <a:buNone/>
-              <a:defRPr sz="1600" b="1"/>
+            <a:lvl7pPr marL="2203064" indent="0">
+              <a:buNone/>
+              <a:defRPr sz="1285" b="1"/>
             </a:lvl7pPr>
-            <a:lvl8pPr marL="3200400" indent="0">
-              <a:buNone/>
-              <a:defRPr sz="1600" b="1"/>
+            <a:lvl8pPr marL="2570241" indent="0">
+              <a:buNone/>
+              <a:defRPr sz="1285" b="1"/>
             </a:lvl8pPr>
-            <a:lvl9pPr marL="3657600" indent="0">
-              <a:buNone/>
-              <a:defRPr sz="1600" b="1"/>
+            <a:lvl9pPr marL="2937419" indent="0">
+              <a:buNone/>
+              <a:defRPr sz="1285" b="1"/>
             </a:lvl9pPr>
           </a:lstStyle>
           <a:p>
@@ -1599,13 +1412,7 @@
       </p:sp>
       <p:sp>
         <p:nvSpPr>
-          <p:cNvPr id="4" name="内容占位符 3">
-            <a:extLst>
-              <a:ext uri="{FF2B5EF4-FFF2-40B4-BE49-F238E27FC236}">
-                <a16:creationId xmlns:a16="http://schemas.microsoft.com/office/drawing/2014/main" id="{9647DC02-0B36-1801-D969-E1B7443B89A4}"/>
-              </a:ext>
-            </a:extLst>
-          </p:cNvPr>
+          <p:cNvPr id="4" name="Content Placeholder 3"/>
           <p:cNvSpPr>
             <a:spLocks noGrp="1"/>
           </p:cNvSpPr>
@@ -1615,8 +1422,8 @@
         </p:nvSpPr>
         <p:spPr>
           <a:xfrm>
-            <a:off x="839788" y="2505075"/>
-            <a:ext cx="5157787" cy="3684588"/>
+            <a:off x="505842" y="2505075"/>
+            <a:ext cx="3106761" cy="3684588"/>
           </a:xfrm>
         </p:spPr>
         <p:txBody>
@@ -1656,18 +1463,13 @@
               <a:rPr lang="zh-CN" altLang="en-US"/>
               <a:t>五级</a:t>
             </a:r>
-          </a:p>
-        </p:txBody>
-      </p:sp>
-      <p:sp>
-        <p:nvSpPr>
-          <p:cNvPr id="5" name="文本占位符 4">
-            <a:extLst>
-              <a:ext uri="{FF2B5EF4-FFF2-40B4-BE49-F238E27FC236}">
-                <a16:creationId xmlns:a16="http://schemas.microsoft.com/office/drawing/2014/main" id="{F6302F1E-E5BE-5C9A-7678-A1F520352149}"/>
-              </a:ext>
-            </a:extLst>
-          </p:cNvPr>
+            <a:endParaRPr lang="en-US" dirty="0"/>
+          </a:p>
+        </p:txBody>
+      </p:sp>
+      <p:sp>
+        <p:nvSpPr>
+          <p:cNvPr id="5" name="Text Placeholder 4"/>
           <p:cNvSpPr>
             <a:spLocks noGrp="1"/>
           </p:cNvSpPr>
@@ -1677,8 +1479,8 @@
         </p:nvSpPr>
         <p:spPr>
           <a:xfrm>
-            <a:off x="6172200" y="1681163"/>
-            <a:ext cx="5183188" cy="823912"/>
+            <a:off x="3717786" y="1681163"/>
+            <a:ext cx="3122061" cy="823912"/>
           </a:xfrm>
         </p:spPr>
         <p:txBody>
@@ -1686,39 +1488,39 @@
           <a:lstStyle>
             <a:lvl1pPr marL="0" indent="0">
               <a:buNone/>
-              <a:defRPr sz="2400" b="1"/>
+              <a:defRPr sz="1927" b="1"/>
             </a:lvl1pPr>
-            <a:lvl2pPr marL="457200" indent="0">
-              <a:buNone/>
-              <a:defRPr sz="2000" b="1"/>
+            <a:lvl2pPr marL="367177" indent="0">
+              <a:buNone/>
+              <a:defRPr sz="1606" b="1"/>
             </a:lvl2pPr>
-            <a:lvl3pPr marL="914400" indent="0">
-              <a:buNone/>
-              <a:defRPr sz="1800" b="1"/>
+            <a:lvl3pPr marL="734355" indent="0">
+              <a:buNone/>
+              <a:defRPr sz="1446" b="1"/>
             </a:lvl3pPr>
-            <a:lvl4pPr marL="1371600" indent="0">
-              <a:buNone/>
-              <a:defRPr sz="1600" b="1"/>
+            <a:lvl4pPr marL="1101532" indent="0">
+              <a:buNone/>
+              <a:defRPr sz="1285" b="1"/>
             </a:lvl4pPr>
-            <a:lvl5pPr marL="1828800" indent="0">
-              <a:buNone/>
-              <a:defRPr sz="1600" b="1"/>
+            <a:lvl5pPr marL="1468709" indent="0">
+              <a:buNone/>
+              <a:defRPr sz="1285" b="1"/>
             </a:lvl5pPr>
-            <a:lvl6pPr marL="2286000" indent="0">
-              <a:buNone/>
-              <a:defRPr sz="1600" b="1"/>
+            <a:lvl6pPr marL="1835887" indent="0">
+              <a:buNone/>
+              <a:defRPr sz="1285" b="1"/>
             </a:lvl6pPr>
-            <a:lvl7pPr marL="2743200" indent="0">
-              <a:buNone/>
-              <a:defRPr sz="1600" b="1"/>
+            <a:lvl7pPr marL="2203064" indent="0">
+              <a:buNone/>
+              <a:defRPr sz="1285" b="1"/>
             </a:lvl7pPr>
-            <a:lvl8pPr marL="3200400" indent="0">
-              <a:buNone/>
-              <a:defRPr sz="1600" b="1"/>
+            <a:lvl8pPr marL="2570241" indent="0">
+              <a:buNone/>
+              <a:defRPr sz="1285" b="1"/>
             </a:lvl8pPr>
-            <a:lvl9pPr marL="3657600" indent="0">
-              <a:buNone/>
-              <a:defRPr sz="1600" b="1"/>
+            <a:lvl9pPr marL="2937419" indent="0">
+              <a:buNone/>
+              <a:defRPr sz="1285" b="1"/>
             </a:lvl9pPr>
           </a:lstStyle>
           <a:p>
@@ -1732,13 +1534,7 @@
       </p:sp>
       <p:sp>
         <p:nvSpPr>
-          <p:cNvPr id="6" name="内容占位符 5">
-            <a:extLst>
-              <a:ext uri="{FF2B5EF4-FFF2-40B4-BE49-F238E27FC236}">
-                <a16:creationId xmlns:a16="http://schemas.microsoft.com/office/drawing/2014/main" id="{A248C5A4-74FD-A92D-4BD1-935D4BA0465D}"/>
-              </a:ext>
-            </a:extLst>
-          </p:cNvPr>
+          <p:cNvPr id="6" name="Content Placeholder 5"/>
           <p:cNvSpPr>
             <a:spLocks noGrp="1"/>
           </p:cNvSpPr>
@@ -1748,8 +1544,8 @@
         </p:nvSpPr>
         <p:spPr>
           <a:xfrm>
-            <a:off x="6172200" y="2505075"/>
-            <a:ext cx="5183188" cy="3684588"/>
+            <a:off x="3717786" y="2505075"/>
+            <a:ext cx="3122061" cy="3684588"/>
           </a:xfrm>
         </p:spPr>
         <p:txBody>
@@ -1789,18 +1585,13 @@
               <a:rPr lang="zh-CN" altLang="en-US"/>
               <a:t>五级</a:t>
             </a:r>
-          </a:p>
-        </p:txBody>
-      </p:sp>
-      <p:sp>
-        <p:nvSpPr>
-          <p:cNvPr id="7" name="日期占位符 6">
-            <a:extLst>
-              <a:ext uri="{FF2B5EF4-FFF2-40B4-BE49-F238E27FC236}">
-                <a16:creationId xmlns:a16="http://schemas.microsoft.com/office/drawing/2014/main" id="{A2F41589-36DB-D153-436A-B6D4023483C7}"/>
-              </a:ext>
-            </a:extLst>
-          </p:cNvPr>
+            <a:endParaRPr lang="en-US" dirty="0"/>
+          </a:p>
+        </p:txBody>
+      </p:sp>
+      <p:sp>
+        <p:nvSpPr>
+          <p:cNvPr id="7" name="Date Placeholder 6"/>
           <p:cNvSpPr>
             <a:spLocks noGrp="1"/>
           </p:cNvSpPr>
@@ -1815,7 +1606,7 @@
           <a:p>
             <a:fld id="{AECF576C-C80D-4FAA-9976-90A76616BF76}" type="datetimeFigureOut">
               <a:rPr lang="zh-CN" altLang="en-US" smtClean="0"/>
-              <a:t>2023/3/13</a:t>
+              <a:t>2023/4/5</a:t>
             </a:fld>
             <a:endParaRPr lang="zh-CN" altLang="en-US"/>
           </a:p>
@@ -1823,13 +1614,7 @@
       </p:sp>
       <p:sp>
         <p:nvSpPr>
-          <p:cNvPr id="8" name="页脚占位符 7">
-            <a:extLst>
-              <a:ext uri="{FF2B5EF4-FFF2-40B4-BE49-F238E27FC236}">
-                <a16:creationId xmlns:a16="http://schemas.microsoft.com/office/drawing/2014/main" id="{424F259F-0243-7AC7-51E9-9742D729A6BA}"/>
-              </a:ext>
-            </a:extLst>
-          </p:cNvPr>
+          <p:cNvPr id="8" name="Footer Placeholder 7"/>
           <p:cNvSpPr>
             <a:spLocks noGrp="1"/>
           </p:cNvSpPr>
@@ -1848,13 +1633,7 @@
       </p:sp>
       <p:sp>
         <p:nvSpPr>
-          <p:cNvPr id="9" name="灯片编号占位符 8">
-            <a:extLst>
-              <a:ext uri="{FF2B5EF4-FFF2-40B4-BE49-F238E27FC236}">
-                <a16:creationId xmlns:a16="http://schemas.microsoft.com/office/drawing/2014/main" id="{3F063FD3-5911-B802-B43E-EC6425FA57D9}"/>
-              </a:ext>
-            </a:extLst>
-          </p:cNvPr>
+          <p:cNvPr id="9" name="Slide Number Placeholder 8"/>
           <p:cNvSpPr>
             <a:spLocks noGrp="1"/>
           </p:cNvSpPr>
@@ -1878,7 +1657,7 @@
     </p:spTree>
     <p:extLst>
       <p:ext uri="{BB962C8B-B14F-4D97-AF65-F5344CB8AC3E}">
-        <p14:creationId xmlns:p14="http://schemas.microsoft.com/office/powerpoint/2010/main" val="2772971327"/>
+        <p14:creationId xmlns:p14="http://schemas.microsoft.com/office/powerpoint/2010/main" val="3101935102"/>
       </p:ext>
     </p:extLst>
   </p:cSld>
@@ -1907,13 +1686,7 @@
       </p:grpSpPr>
       <p:sp>
         <p:nvSpPr>
-          <p:cNvPr id="2" name="标题 1">
-            <a:extLst>
-              <a:ext uri="{FF2B5EF4-FFF2-40B4-BE49-F238E27FC236}">
-                <a16:creationId xmlns:a16="http://schemas.microsoft.com/office/drawing/2014/main" id="{64F65BB3-C6CC-6BF3-8602-806102EA1646}"/>
-              </a:ext>
-            </a:extLst>
-          </p:cNvPr>
+          <p:cNvPr id="2" name="Title 1"/>
           <p:cNvSpPr>
             <a:spLocks noGrp="1"/>
           </p:cNvSpPr>
@@ -1930,18 +1703,13 @@
               <a:rPr lang="zh-CN" altLang="en-US"/>
               <a:t>单击此处编辑母版标题样式</a:t>
             </a:r>
-          </a:p>
-        </p:txBody>
-      </p:sp>
-      <p:sp>
-        <p:nvSpPr>
-          <p:cNvPr id="3" name="日期占位符 2">
-            <a:extLst>
-              <a:ext uri="{FF2B5EF4-FFF2-40B4-BE49-F238E27FC236}">
-                <a16:creationId xmlns:a16="http://schemas.microsoft.com/office/drawing/2014/main" id="{67330AFB-CD0F-3BE9-8425-33CD3BC0253D}"/>
-              </a:ext>
-            </a:extLst>
-          </p:cNvPr>
+            <a:endParaRPr lang="en-US" dirty="0"/>
+          </a:p>
+        </p:txBody>
+      </p:sp>
+      <p:sp>
+        <p:nvSpPr>
+          <p:cNvPr id="3" name="Date Placeholder 2"/>
           <p:cNvSpPr>
             <a:spLocks noGrp="1"/>
           </p:cNvSpPr>
@@ -1956,7 +1724,7 @@
           <a:p>
             <a:fld id="{AECF576C-C80D-4FAA-9976-90A76616BF76}" type="datetimeFigureOut">
               <a:rPr lang="zh-CN" altLang="en-US" smtClean="0"/>
-              <a:t>2023/3/13</a:t>
+              <a:t>2023/4/5</a:t>
             </a:fld>
             <a:endParaRPr lang="zh-CN" altLang="en-US"/>
           </a:p>
@@ -1964,13 +1732,7 @@
       </p:sp>
       <p:sp>
         <p:nvSpPr>
-          <p:cNvPr id="4" name="页脚占位符 3">
-            <a:extLst>
-              <a:ext uri="{FF2B5EF4-FFF2-40B4-BE49-F238E27FC236}">
-                <a16:creationId xmlns:a16="http://schemas.microsoft.com/office/drawing/2014/main" id="{8EDE0477-4F05-90CD-F525-2503AC55496A}"/>
-              </a:ext>
-            </a:extLst>
-          </p:cNvPr>
+          <p:cNvPr id="4" name="Footer Placeholder 3"/>
           <p:cNvSpPr>
             <a:spLocks noGrp="1"/>
           </p:cNvSpPr>
@@ -1989,13 +1751,7 @@
       </p:sp>
       <p:sp>
         <p:nvSpPr>
-          <p:cNvPr id="5" name="灯片编号占位符 4">
-            <a:extLst>
-              <a:ext uri="{FF2B5EF4-FFF2-40B4-BE49-F238E27FC236}">
-                <a16:creationId xmlns:a16="http://schemas.microsoft.com/office/drawing/2014/main" id="{871D482E-DF54-D787-DD4F-3985A03DE378}"/>
-              </a:ext>
-            </a:extLst>
-          </p:cNvPr>
+          <p:cNvPr id="5" name="Slide Number Placeholder 4"/>
           <p:cNvSpPr>
             <a:spLocks noGrp="1"/>
           </p:cNvSpPr>
@@ -2019,7 +1775,7 @@
     </p:spTree>
     <p:extLst>
       <p:ext uri="{BB962C8B-B14F-4D97-AF65-F5344CB8AC3E}">
-        <p14:creationId xmlns:p14="http://schemas.microsoft.com/office/powerpoint/2010/main" val="1460556673"/>
+        <p14:creationId xmlns:p14="http://schemas.microsoft.com/office/powerpoint/2010/main" val="1359641056"/>
       </p:ext>
     </p:extLst>
   </p:cSld>
@@ -2048,13 +1804,7 @@
       </p:grpSpPr>
       <p:sp>
         <p:nvSpPr>
-          <p:cNvPr id="2" name="日期占位符 1">
-            <a:extLst>
-              <a:ext uri="{FF2B5EF4-FFF2-40B4-BE49-F238E27FC236}">
-                <a16:creationId xmlns:a16="http://schemas.microsoft.com/office/drawing/2014/main" id="{47C705A3-9A91-7A88-7027-C0EF9FAF3EC9}"/>
-              </a:ext>
-            </a:extLst>
-          </p:cNvPr>
+          <p:cNvPr id="2" name="Date Placeholder 1"/>
           <p:cNvSpPr>
             <a:spLocks noGrp="1"/>
           </p:cNvSpPr>
@@ -2069,7 +1819,7 @@
           <a:p>
             <a:fld id="{AECF576C-C80D-4FAA-9976-90A76616BF76}" type="datetimeFigureOut">
               <a:rPr lang="zh-CN" altLang="en-US" smtClean="0"/>
-              <a:t>2023/3/13</a:t>
+              <a:t>2023/4/5</a:t>
             </a:fld>
             <a:endParaRPr lang="zh-CN" altLang="en-US"/>
           </a:p>
@@ -2077,13 +1827,7 @@
       </p:sp>
       <p:sp>
         <p:nvSpPr>
-          <p:cNvPr id="3" name="页脚占位符 2">
-            <a:extLst>
-              <a:ext uri="{FF2B5EF4-FFF2-40B4-BE49-F238E27FC236}">
-                <a16:creationId xmlns:a16="http://schemas.microsoft.com/office/drawing/2014/main" id="{4BD3B492-FCD1-2CDE-EDA6-646A62CECDCC}"/>
-              </a:ext>
-            </a:extLst>
-          </p:cNvPr>
+          <p:cNvPr id="3" name="Footer Placeholder 2"/>
           <p:cNvSpPr>
             <a:spLocks noGrp="1"/>
           </p:cNvSpPr>
@@ -2102,13 +1846,7 @@
       </p:sp>
       <p:sp>
         <p:nvSpPr>
-          <p:cNvPr id="4" name="灯片编号占位符 3">
-            <a:extLst>
-              <a:ext uri="{FF2B5EF4-FFF2-40B4-BE49-F238E27FC236}">
-                <a16:creationId xmlns:a16="http://schemas.microsoft.com/office/drawing/2014/main" id="{EA8F1B90-108F-2671-E0DA-E64E58BCB9DF}"/>
-              </a:ext>
-            </a:extLst>
-          </p:cNvPr>
+          <p:cNvPr id="4" name="Slide Number Placeholder 3"/>
           <p:cNvSpPr>
             <a:spLocks noGrp="1"/>
           </p:cNvSpPr>
@@ -2132,7 +1870,7 @@
     </p:spTree>
     <p:extLst>
       <p:ext uri="{BB962C8B-B14F-4D97-AF65-F5344CB8AC3E}">
-        <p14:creationId xmlns:p14="http://schemas.microsoft.com/office/powerpoint/2010/main" val="2441110643"/>
+        <p14:creationId xmlns:p14="http://schemas.microsoft.com/office/powerpoint/2010/main" val="3353558042"/>
       </p:ext>
     </p:extLst>
   </p:cSld>
@@ -2161,13 +1899,7 @@
       </p:grpSpPr>
       <p:sp>
         <p:nvSpPr>
-          <p:cNvPr id="2" name="标题 1">
-            <a:extLst>
-              <a:ext uri="{FF2B5EF4-FFF2-40B4-BE49-F238E27FC236}">
-                <a16:creationId xmlns:a16="http://schemas.microsoft.com/office/drawing/2014/main" id="{33BC4CFB-DF5A-F1D4-2937-D57C8339D6AD}"/>
-              </a:ext>
-            </a:extLst>
-          </p:cNvPr>
+          <p:cNvPr id="2" name="Title 1"/>
           <p:cNvSpPr>
             <a:spLocks noGrp="1"/>
           </p:cNvSpPr>
@@ -2177,15 +1909,15 @@
         </p:nvSpPr>
         <p:spPr>
           <a:xfrm>
-            <a:off x="839788" y="457200"/>
-            <a:ext cx="3932237" cy="1600200"/>
+            <a:off x="505841" y="457200"/>
+            <a:ext cx="2368559" cy="1600200"/>
           </a:xfrm>
         </p:spPr>
         <p:txBody>
           <a:bodyPr anchor="b"/>
           <a:lstStyle>
             <a:lvl1pPr>
-              <a:defRPr sz="3200"/>
+              <a:defRPr sz="2570"/>
             </a:lvl1pPr>
           </a:lstStyle>
           <a:p>
@@ -2193,18 +1925,13 @@
               <a:rPr lang="zh-CN" altLang="en-US"/>
               <a:t>单击此处编辑母版标题样式</a:t>
             </a:r>
-          </a:p>
-        </p:txBody>
-      </p:sp>
-      <p:sp>
-        <p:nvSpPr>
-          <p:cNvPr id="3" name="内容占位符 2">
-            <a:extLst>
-              <a:ext uri="{FF2B5EF4-FFF2-40B4-BE49-F238E27FC236}">
-                <a16:creationId xmlns:a16="http://schemas.microsoft.com/office/drawing/2014/main" id="{56CCAA08-9E0E-5752-8D61-1A88997B9A87}"/>
-              </a:ext>
-            </a:extLst>
-          </p:cNvPr>
+            <a:endParaRPr lang="en-US" dirty="0"/>
+          </a:p>
+        </p:txBody>
+      </p:sp>
+      <p:sp>
+        <p:nvSpPr>
+          <p:cNvPr id="3" name="Content Placeholder 2"/>
           <p:cNvSpPr>
             <a:spLocks noGrp="1"/>
           </p:cNvSpPr>
@@ -2214,39 +1941,39 @@
         </p:nvSpPr>
         <p:spPr>
           <a:xfrm>
-            <a:off x="5183188" y="987425"/>
-            <a:ext cx="6172200" cy="4873625"/>
+            <a:off x="3122061" y="987427"/>
+            <a:ext cx="3717786" cy="4873625"/>
           </a:xfrm>
         </p:spPr>
         <p:txBody>
           <a:bodyPr/>
           <a:lstStyle>
             <a:lvl1pPr>
-              <a:defRPr sz="3200"/>
+              <a:defRPr sz="2570"/>
             </a:lvl1pPr>
             <a:lvl2pPr>
-              <a:defRPr sz="2800"/>
+              <a:defRPr sz="2249"/>
             </a:lvl2pPr>
             <a:lvl3pPr>
-              <a:defRPr sz="2400"/>
+              <a:defRPr sz="1927"/>
             </a:lvl3pPr>
             <a:lvl4pPr>
-              <a:defRPr sz="2000"/>
+              <a:defRPr sz="1606"/>
             </a:lvl4pPr>
             <a:lvl5pPr>
-              <a:defRPr sz="2000"/>
+              <a:defRPr sz="1606"/>
             </a:lvl5pPr>
             <a:lvl6pPr>
-              <a:defRPr sz="2000"/>
+              <a:defRPr sz="1606"/>
             </a:lvl6pPr>
             <a:lvl7pPr>
-              <a:defRPr sz="2000"/>
+              <a:defRPr sz="1606"/>
             </a:lvl7pPr>
             <a:lvl8pPr>
-              <a:defRPr sz="2000"/>
+              <a:defRPr sz="1606"/>
             </a:lvl8pPr>
             <a:lvl9pPr>
-              <a:defRPr sz="2000"/>
+              <a:defRPr sz="1606"/>
             </a:lvl9pPr>
           </a:lstStyle>
           <a:p>
@@ -2283,18 +2010,13 @@
               <a:rPr lang="zh-CN" altLang="en-US"/>
               <a:t>五级</a:t>
             </a:r>
-          </a:p>
-        </p:txBody>
-      </p:sp>
-      <p:sp>
-        <p:nvSpPr>
-          <p:cNvPr id="4" name="文本占位符 3">
-            <a:extLst>
-              <a:ext uri="{FF2B5EF4-FFF2-40B4-BE49-F238E27FC236}">
-                <a16:creationId xmlns:a16="http://schemas.microsoft.com/office/drawing/2014/main" id="{04541ADE-8E37-4619-E207-43B31634EE42}"/>
-              </a:ext>
-            </a:extLst>
-          </p:cNvPr>
+            <a:endParaRPr lang="en-US" dirty="0"/>
+          </a:p>
+        </p:txBody>
+      </p:sp>
+      <p:sp>
+        <p:nvSpPr>
+          <p:cNvPr id="4" name="Text Placeholder 3"/>
           <p:cNvSpPr>
             <a:spLocks noGrp="1"/>
           </p:cNvSpPr>
@@ -2304,8 +2026,8 @@
         </p:nvSpPr>
         <p:spPr>
           <a:xfrm>
-            <a:off x="839788" y="2057400"/>
-            <a:ext cx="3932237" cy="3811588"/>
+            <a:off x="505841" y="2057400"/>
+            <a:ext cx="2368559" cy="3811588"/>
           </a:xfrm>
         </p:spPr>
         <p:txBody>
@@ -2313,39 +2035,39 @@
           <a:lstStyle>
             <a:lvl1pPr marL="0" indent="0">
               <a:buNone/>
-              <a:defRPr sz="1600"/>
+              <a:defRPr sz="1285"/>
             </a:lvl1pPr>
-            <a:lvl2pPr marL="457200" indent="0">
-              <a:buNone/>
-              <a:defRPr sz="1400"/>
+            <a:lvl2pPr marL="367177" indent="0">
+              <a:buNone/>
+              <a:defRPr sz="1124"/>
             </a:lvl2pPr>
-            <a:lvl3pPr marL="914400" indent="0">
-              <a:buNone/>
-              <a:defRPr sz="1200"/>
+            <a:lvl3pPr marL="734355" indent="0">
+              <a:buNone/>
+              <a:defRPr sz="964"/>
             </a:lvl3pPr>
-            <a:lvl4pPr marL="1371600" indent="0">
-              <a:buNone/>
-              <a:defRPr sz="1000"/>
+            <a:lvl4pPr marL="1101532" indent="0">
+              <a:buNone/>
+              <a:defRPr sz="803"/>
             </a:lvl4pPr>
-            <a:lvl5pPr marL="1828800" indent="0">
-              <a:buNone/>
-              <a:defRPr sz="1000"/>
+            <a:lvl5pPr marL="1468709" indent="0">
+              <a:buNone/>
+              <a:defRPr sz="803"/>
             </a:lvl5pPr>
-            <a:lvl6pPr marL="2286000" indent="0">
-              <a:buNone/>
-              <a:defRPr sz="1000"/>
+            <a:lvl6pPr marL="1835887" indent="0">
+              <a:buNone/>
+              <a:defRPr sz="803"/>
             </a:lvl6pPr>
-            <a:lvl7pPr marL="2743200" indent="0">
-              <a:buNone/>
-              <a:defRPr sz="1000"/>
+            <a:lvl7pPr marL="2203064" indent="0">
+              <a:buNone/>
+              <a:defRPr sz="803"/>
             </a:lvl7pPr>
-            <a:lvl8pPr marL="3200400" indent="0">
-              <a:buNone/>
-              <a:defRPr sz="1000"/>
+            <a:lvl8pPr marL="2570241" indent="0">
+              <a:buNone/>
+              <a:defRPr sz="803"/>
             </a:lvl8pPr>
-            <a:lvl9pPr marL="3657600" indent="0">
-              <a:buNone/>
-              <a:defRPr sz="1000"/>
+            <a:lvl9pPr marL="2937419" indent="0">
+              <a:buNone/>
+              <a:defRPr sz="803"/>
             </a:lvl9pPr>
           </a:lstStyle>
           <a:p>
@@ -2359,13 +2081,7 @@
       </p:sp>
       <p:sp>
         <p:nvSpPr>
-          <p:cNvPr id="5" name="日期占位符 4">
-            <a:extLst>
-              <a:ext uri="{FF2B5EF4-FFF2-40B4-BE49-F238E27FC236}">
-                <a16:creationId xmlns:a16="http://schemas.microsoft.com/office/drawing/2014/main" id="{46413511-AE91-F552-8BAE-B40B742E9E69}"/>
-              </a:ext>
-            </a:extLst>
-          </p:cNvPr>
+          <p:cNvPr id="5" name="Date Placeholder 4"/>
           <p:cNvSpPr>
             <a:spLocks noGrp="1"/>
           </p:cNvSpPr>
@@ -2380,7 +2096,7 @@
           <a:p>
             <a:fld id="{AECF576C-C80D-4FAA-9976-90A76616BF76}" type="datetimeFigureOut">
               <a:rPr lang="zh-CN" altLang="en-US" smtClean="0"/>
-              <a:t>2023/3/13</a:t>
+              <a:t>2023/4/5</a:t>
             </a:fld>
             <a:endParaRPr lang="zh-CN" altLang="en-US"/>
           </a:p>
@@ -2388,13 +2104,7 @@
       </p:sp>
       <p:sp>
         <p:nvSpPr>
-          <p:cNvPr id="6" name="页脚占位符 5">
-            <a:extLst>
-              <a:ext uri="{FF2B5EF4-FFF2-40B4-BE49-F238E27FC236}">
-                <a16:creationId xmlns:a16="http://schemas.microsoft.com/office/drawing/2014/main" id="{522A2978-845E-1C2E-9D92-30FF29916A2D}"/>
-              </a:ext>
-            </a:extLst>
-          </p:cNvPr>
+          <p:cNvPr id="6" name="Footer Placeholder 5"/>
           <p:cNvSpPr>
             <a:spLocks noGrp="1"/>
           </p:cNvSpPr>
@@ -2413,13 +2123,7 @@
       </p:sp>
       <p:sp>
         <p:nvSpPr>
-          <p:cNvPr id="7" name="灯片编号占位符 6">
-            <a:extLst>
-              <a:ext uri="{FF2B5EF4-FFF2-40B4-BE49-F238E27FC236}">
-                <a16:creationId xmlns:a16="http://schemas.microsoft.com/office/drawing/2014/main" id="{172CE7A5-E78F-DEA1-AD0E-97657BC5F4E0}"/>
-              </a:ext>
-            </a:extLst>
-          </p:cNvPr>
+          <p:cNvPr id="7" name="Slide Number Placeholder 6"/>
           <p:cNvSpPr>
             <a:spLocks noGrp="1"/>
           </p:cNvSpPr>
@@ -2443,7 +2147,7 @@
     </p:spTree>
     <p:extLst>
       <p:ext uri="{BB962C8B-B14F-4D97-AF65-F5344CB8AC3E}">
-        <p14:creationId xmlns:p14="http://schemas.microsoft.com/office/powerpoint/2010/main" val="737563085"/>
+        <p14:creationId xmlns:p14="http://schemas.microsoft.com/office/powerpoint/2010/main" val="867212013"/>
       </p:ext>
     </p:extLst>
   </p:cSld>
@@ -2472,13 +2176,7 @@
       </p:grpSpPr>
       <p:sp>
         <p:nvSpPr>
-          <p:cNvPr id="2" name="标题 1">
-            <a:extLst>
-              <a:ext uri="{FF2B5EF4-FFF2-40B4-BE49-F238E27FC236}">
-                <a16:creationId xmlns:a16="http://schemas.microsoft.com/office/drawing/2014/main" id="{BDD5EEBC-ABA0-EC45-874D-7DAA4756C69E}"/>
-              </a:ext>
-            </a:extLst>
-          </p:cNvPr>
+          <p:cNvPr id="2" name="Title 1"/>
           <p:cNvSpPr>
             <a:spLocks noGrp="1"/>
           </p:cNvSpPr>
@@ -2488,15 +2186,15 @@
         </p:nvSpPr>
         <p:spPr>
           <a:xfrm>
-            <a:off x="839788" y="457200"/>
-            <a:ext cx="3932237" cy="1600200"/>
+            <a:off x="505841" y="457200"/>
+            <a:ext cx="2368559" cy="1600200"/>
           </a:xfrm>
         </p:spPr>
         <p:txBody>
           <a:bodyPr anchor="b"/>
           <a:lstStyle>
             <a:lvl1pPr>
-              <a:defRPr sz="3200"/>
+              <a:defRPr sz="2570"/>
             </a:lvl1pPr>
           </a:lstStyle>
           <a:p>
@@ -2504,20 +2202,15 @@
               <a:rPr lang="zh-CN" altLang="en-US"/>
               <a:t>单击此处编辑母版标题样式</a:t>
             </a:r>
-          </a:p>
-        </p:txBody>
-      </p:sp>
-      <p:sp>
-        <p:nvSpPr>
-          <p:cNvPr id="3" name="图片占位符 2">
-            <a:extLst>
-              <a:ext uri="{FF2B5EF4-FFF2-40B4-BE49-F238E27FC236}">
-                <a16:creationId xmlns:a16="http://schemas.microsoft.com/office/drawing/2014/main" id="{4493D4A8-E6D0-3F94-20A3-E76959B491ED}"/>
-              </a:ext>
-            </a:extLst>
-          </p:cNvPr>
-          <p:cNvSpPr>
-            <a:spLocks noGrp="1"/>
+            <a:endParaRPr lang="en-US" dirty="0"/>
+          </a:p>
+        </p:txBody>
+      </p:sp>
+      <p:sp>
+        <p:nvSpPr>
+          <p:cNvPr id="3" name="Picture Placeholder 2"/>
+          <p:cNvSpPr>
+            <a:spLocks noGrp="1" noChangeAspect="1"/>
           </p:cNvSpPr>
           <p:nvPr>
             <p:ph type="pic" idx="1"/>
@@ -2525,8 +2218,73 @@
         </p:nvSpPr>
         <p:spPr>
           <a:xfrm>
-            <a:off x="5183188" y="987425"/>
-            <a:ext cx="6172200" cy="4873625"/>
+            <a:off x="3122061" y="987427"/>
+            <a:ext cx="3717786" cy="4873625"/>
+          </a:xfrm>
+        </p:spPr>
+        <p:txBody>
+          <a:bodyPr anchor="t"/>
+          <a:lstStyle>
+            <a:lvl1pPr marL="0" indent="0">
+              <a:buNone/>
+              <a:defRPr sz="2570"/>
+            </a:lvl1pPr>
+            <a:lvl2pPr marL="367177" indent="0">
+              <a:buNone/>
+              <a:defRPr sz="2249"/>
+            </a:lvl2pPr>
+            <a:lvl3pPr marL="734355" indent="0">
+              <a:buNone/>
+              <a:defRPr sz="1927"/>
+            </a:lvl3pPr>
+            <a:lvl4pPr marL="1101532" indent="0">
+              <a:buNone/>
+              <a:defRPr sz="1606"/>
+            </a:lvl4pPr>
+            <a:lvl5pPr marL="1468709" indent="0">
+              <a:buNone/>
+              <a:defRPr sz="1606"/>
+            </a:lvl5pPr>
+            <a:lvl6pPr marL="1835887" indent="0">
+              <a:buNone/>
+              <a:defRPr sz="1606"/>
+            </a:lvl6pPr>
+            <a:lvl7pPr marL="2203064" indent="0">
+              <a:buNone/>
+              <a:defRPr sz="1606"/>
+            </a:lvl7pPr>
+            <a:lvl8pPr marL="2570241" indent="0">
+              <a:buNone/>
+              <a:defRPr sz="1606"/>
+            </a:lvl8pPr>
+            <a:lvl9pPr marL="2937419" indent="0">
+              <a:buNone/>
+              <a:defRPr sz="1606"/>
+            </a:lvl9pPr>
+          </a:lstStyle>
+          <a:p>
+            <a:r>
+              <a:rPr lang="zh-CN" altLang="en-US"/>
+              <a:t>单击图标添加图片</a:t>
+            </a:r>
+            <a:endParaRPr lang="en-US" dirty="0"/>
+          </a:p>
+        </p:txBody>
+      </p:sp>
+      <p:sp>
+        <p:nvSpPr>
+          <p:cNvPr id="4" name="Text Placeholder 3"/>
+          <p:cNvSpPr>
+            <a:spLocks noGrp="1"/>
+          </p:cNvSpPr>
+          <p:nvPr>
+            <p:ph type="body" sz="half" idx="2"/>
+          </p:nvPr>
+        </p:nvSpPr>
+        <p:spPr>
+          <a:xfrm>
+            <a:off x="505841" y="2057400"/>
+            <a:ext cx="2368559" cy="3811588"/>
           </a:xfrm>
         </p:spPr>
         <p:txBody>
@@ -2534,109 +2292,42 @@
           <a:lstStyle>
             <a:lvl1pPr marL="0" indent="0">
               <a:buNone/>
-              <a:defRPr sz="3200"/>
+              <a:defRPr sz="1285"/>
             </a:lvl1pPr>
-            <a:lvl2pPr marL="457200" indent="0">
-              <a:buNone/>
-              <a:defRPr sz="2800"/>
+            <a:lvl2pPr marL="367177" indent="0">
+              <a:buNone/>
+              <a:defRPr sz="1124"/>
             </a:lvl2pPr>
-            <a:lvl3pPr marL="914400" indent="0">
-              <a:buNone/>
-              <a:defRPr sz="2400"/>
+            <a:lvl3pPr marL="734355" indent="0">
+              <a:buNone/>
+              <a:defRPr sz="964"/>
             </a:lvl3pPr>
-            <a:lvl4pPr marL="1371600" indent="0">
-              <a:buNone/>
-              <a:defRPr sz="2000"/>
+            <a:lvl4pPr marL="1101532" indent="0">
+              <a:buNone/>
+              <a:defRPr sz="803"/>
             </a:lvl4pPr>
-            <a:lvl5pPr marL="1828800" indent="0">
-              <a:buNone/>
-              <a:defRPr sz="2000"/>
+            <a:lvl5pPr marL="1468709" indent="0">
+              <a:buNone/>
+              <a:defRPr sz="803"/>
             </a:lvl5pPr>
-            <a:lvl6pPr marL="2286000" indent="0">
-              <a:buNone/>
-              <a:defRPr sz="2000"/>
+            <a:lvl6pPr marL="1835887" indent="0">
+              <a:buNone/>
+              <a:defRPr sz="803"/>
             </a:lvl6pPr>
-            <a:lvl7pPr marL="2743200" indent="0">
-              <a:buNone/>
-              <a:defRPr sz="2000"/>
+            <a:lvl7pPr marL="2203064" indent="0">
+              <a:buNone/>
+              <a:defRPr sz="803"/>
             </a:lvl7pPr>
-            <a:lvl8pPr marL="3200400" indent="0">
-              <a:buNone/>
-              <a:defRPr sz="2000"/>
+            <a:lvl8pPr marL="2570241" indent="0">
+              <a:buNone/>
+              <a:defRPr sz="803"/>
             </a:lvl8pPr>
-            <a:lvl9pPr marL="3657600" indent="0">
-              <a:buNone/>
-              <a:defRPr sz="2000"/>
+            <a:lvl9pPr marL="2937419" indent="0">
+              <a:buNone/>
+              <a:defRPr sz="803"/>
             </a:lvl9pPr>
           </a:lstStyle>
           <a:p>
-            <a:endParaRPr lang="zh-CN" altLang="en-US"/>
-          </a:p>
-        </p:txBody>
-      </p:sp>
-      <p:sp>
-        <p:nvSpPr>
-          <p:cNvPr id="4" name="文本占位符 3">
-            <a:extLst>
-              <a:ext uri="{FF2B5EF4-FFF2-40B4-BE49-F238E27FC236}">
-                <a16:creationId xmlns:a16="http://schemas.microsoft.com/office/drawing/2014/main" id="{C0D326E2-2A0B-811F-9C29-2FC02223454B}"/>
-              </a:ext>
-            </a:extLst>
-          </p:cNvPr>
-          <p:cNvSpPr>
-            <a:spLocks noGrp="1"/>
-          </p:cNvSpPr>
-          <p:nvPr>
-            <p:ph type="body" sz="half" idx="2"/>
-          </p:nvPr>
-        </p:nvSpPr>
-        <p:spPr>
-          <a:xfrm>
-            <a:off x="839788" y="2057400"/>
-            <a:ext cx="3932237" cy="3811588"/>
-          </a:xfrm>
-        </p:spPr>
-        <p:txBody>
-          <a:bodyPr/>
-          <a:lstStyle>
-            <a:lvl1pPr marL="0" indent="0">
-              <a:buNone/>
-              <a:defRPr sz="1600"/>
-            </a:lvl1pPr>
-            <a:lvl2pPr marL="457200" indent="0">
-              <a:buNone/>
-              <a:defRPr sz="1400"/>
-            </a:lvl2pPr>
-            <a:lvl3pPr marL="914400" indent="0">
-              <a:buNone/>
-              <a:defRPr sz="1200"/>
-            </a:lvl3pPr>
-            <a:lvl4pPr marL="1371600" indent="0">
-              <a:buNone/>
-              <a:defRPr sz="1000"/>
-            </a:lvl4pPr>
-            <a:lvl5pPr marL="1828800" indent="0">
-              <a:buNone/>
-              <a:defRPr sz="1000"/>
-            </a:lvl5pPr>
-            <a:lvl6pPr marL="2286000" indent="0">
-              <a:buNone/>
-              <a:defRPr sz="1000"/>
-            </a:lvl6pPr>
-            <a:lvl7pPr marL="2743200" indent="0">
-              <a:buNone/>
-              <a:defRPr sz="1000"/>
-            </a:lvl7pPr>
-            <a:lvl8pPr marL="3200400" indent="0">
-              <a:buNone/>
-              <a:defRPr sz="1000"/>
-            </a:lvl8pPr>
-            <a:lvl9pPr marL="3657600" indent="0">
-              <a:buNone/>
-              <a:defRPr sz="1000"/>
-            </a:lvl9pPr>
-          </a:lstStyle>
-          <a:p>
             <a:pPr lvl="0"/>
             <a:r>
               <a:rPr lang="zh-CN" altLang="en-US"/>
@@ -2647,13 +2338,7 @@
       </p:sp>
       <p:sp>
         <p:nvSpPr>
-          <p:cNvPr id="5" name="日期占位符 4">
-            <a:extLst>
-              <a:ext uri="{FF2B5EF4-FFF2-40B4-BE49-F238E27FC236}">
-                <a16:creationId xmlns:a16="http://schemas.microsoft.com/office/drawing/2014/main" id="{1CB35FC7-A3AB-2560-32C2-2CBB08742CCB}"/>
-              </a:ext>
-            </a:extLst>
-          </p:cNvPr>
+          <p:cNvPr id="5" name="Date Placeholder 4"/>
           <p:cNvSpPr>
             <a:spLocks noGrp="1"/>
           </p:cNvSpPr>
@@ -2668,7 +2353,7 @@
           <a:p>
             <a:fld id="{AECF576C-C80D-4FAA-9976-90A76616BF76}" type="datetimeFigureOut">
               <a:rPr lang="zh-CN" altLang="en-US" smtClean="0"/>
-              <a:t>2023/3/13</a:t>
+              <a:t>2023/4/5</a:t>
             </a:fld>
             <a:endParaRPr lang="zh-CN" altLang="en-US"/>
           </a:p>
@@ -2676,13 +2361,7 @@
       </p:sp>
       <p:sp>
         <p:nvSpPr>
-          <p:cNvPr id="6" name="页脚占位符 5">
-            <a:extLst>
-              <a:ext uri="{FF2B5EF4-FFF2-40B4-BE49-F238E27FC236}">
-                <a16:creationId xmlns:a16="http://schemas.microsoft.com/office/drawing/2014/main" id="{289C9B08-7CA3-07A6-1E28-D1F455FF0B5E}"/>
-              </a:ext>
-            </a:extLst>
-          </p:cNvPr>
+          <p:cNvPr id="6" name="Footer Placeholder 5"/>
           <p:cNvSpPr>
             <a:spLocks noGrp="1"/>
           </p:cNvSpPr>
@@ -2701,13 +2380,7 @@
       </p:sp>
       <p:sp>
         <p:nvSpPr>
-          <p:cNvPr id="7" name="灯片编号占位符 6">
-            <a:extLst>
-              <a:ext uri="{FF2B5EF4-FFF2-40B4-BE49-F238E27FC236}">
-                <a16:creationId xmlns:a16="http://schemas.microsoft.com/office/drawing/2014/main" id="{780690FA-D14B-EB59-901A-B9D1E0EB770B}"/>
-              </a:ext>
-            </a:extLst>
-          </p:cNvPr>
+          <p:cNvPr id="7" name="Slide Number Placeholder 6"/>
           <p:cNvSpPr>
             <a:spLocks noGrp="1"/>
           </p:cNvSpPr>
@@ -2731,7 +2404,7 @@
     </p:spTree>
     <p:extLst>
       <p:ext uri="{BB962C8B-B14F-4D97-AF65-F5344CB8AC3E}">
-        <p14:creationId xmlns:p14="http://schemas.microsoft.com/office/powerpoint/2010/main" val="2756814141"/>
+        <p14:creationId xmlns:p14="http://schemas.microsoft.com/office/powerpoint/2010/main" val="3504939361"/>
       </p:ext>
     </p:extLst>
   </p:cSld>
@@ -2765,13 +2438,7 @@
       </p:grpSpPr>
       <p:sp>
         <p:nvSpPr>
-          <p:cNvPr id="2" name="标题占位符 1">
-            <a:extLst>
-              <a:ext uri="{FF2B5EF4-FFF2-40B4-BE49-F238E27FC236}">
-                <a16:creationId xmlns:a16="http://schemas.microsoft.com/office/drawing/2014/main" id="{23071773-76B9-FB56-18A1-D794D802A5B2}"/>
-              </a:ext>
-            </a:extLst>
-          </p:cNvPr>
+          <p:cNvPr id="2" name="Title Placeholder 1"/>
           <p:cNvSpPr>
             <a:spLocks noGrp="1"/>
           </p:cNvSpPr>
@@ -2781,8 +2448,8 @@
         </p:nvSpPr>
         <p:spPr>
           <a:xfrm>
-            <a:off x="838200" y="365125"/>
-            <a:ext cx="10515600" cy="1325563"/>
+            <a:off x="504885" y="365127"/>
+            <a:ext cx="6334006" cy="1325563"/>
           </a:xfrm>
           <a:prstGeom prst="rect">
             <a:avLst/>
@@ -2798,18 +2465,13 @@
               <a:rPr lang="zh-CN" altLang="en-US"/>
               <a:t>单击此处编辑母版标题样式</a:t>
             </a:r>
-          </a:p>
-        </p:txBody>
-      </p:sp>
-      <p:sp>
-        <p:nvSpPr>
-          <p:cNvPr id="3" name="文本占位符 2">
-            <a:extLst>
-              <a:ext uri="{FF2B5EF4-FFF2-40B4-BE49-F238E27FC236}">
-                <a16:creationId xmlns:a16="http://schemas.microsoft.com/office/drawing/2014/main" id="{90FA4263-BE08-BDAB-9E41-99AC338D82E2}"/>
-              </a:ext>
-            </a:extLst>
-          </p:cNvPr>
+            <a:endParaRPr lang="en-US" dirty="0"/>
+          </a:p>
+        </p:txBody>
+      </p:sp>
+      <p:sp>
+        <p:nvSpPr>
+          <p:cNvPr id="3" name="Text Placeholder 2"/>
           <p:cNvSpPr>
             <a:spLocks noGrp="1"/>
           </p:cNvSpPr>
@@ -2819,8 +2481,8 @@
         </p:nvSpPr>
         <p:spPr>
           <a:xfrm>
-            <a:off x="838200" y="1825625"/>
-            <a:ext cx="10515600" cy="4351338"/>
+            <a:off x="504885" y="1825625"/>
+            <a:ext cx="6334006" cy="4351338"/>
           </a:xfrm>
           <a:prstGeom prst="rect">
             <a:avLst/>
@@ -2865,18 +2527,13 @@
               <a:rPr lang="zh-CN" altLang="en-US"/>
               <a:t>五级</a:t>
             </a:r>
-          </a:p>
-        </p:txBody>
-      </p:sp>
-      <p:sp>
-        <p:nvSpPr>
-          <p:cNvPr id="4" name="日期占位符 3">
-            <a:extLst>
-              <a:ext uri="{FF2B5EF4-FFF2-40B4-BE49-F238E27FC236}">
-                <a16:creationId xmlns:a16="http://schemas.microsoft.com/office/drawing/2014/main" id="{DBF8E6CD-CBE7-E59B-3F23-D0E30F5C4CC3}"/>
-              </a:ext>
-            </a:extLst>
-          </p:cNvPr>
+            <a:endParaRPr lang="en-US" dirty="0"/>
+          </a:p>
+        </p:txBody>
+      </p:sp>
+      <p:sp>
+        <p:nvSpPr>
+          <p:cNvPr id="4" name="Date Placeholder 3"/>
           <p:cNvSpPr>
             <a:spLocks noGrp="1"/>
           </p:cNvSpPr>
@@ -2886,8 +2543,8 @@
         </p:nvSpPr>
         <p:spPr>
           <a:xfrm>
-            <a:off x="838200" y="6356350"/>
-            <a:ext cx="2743200" cy="365125"/>
+            <a:off x="504885" y="6356352"/>
+            <a:ext cx="1652349" cy="365125"/>
           </a:xfrm>
           <a:prstGeom prst="rect">
             <a:avLst/>
@@ -2897,7 +2554,7 @@
           <a:bodyPr vert="horz" lIns="91440" tIns="45720" rIns="91440" bIns="45720" rtlCol="0" anchor="ctr"/>
           <a:lstStyle>
             <a:lvl1pPr algn="l">
-              <a:defRPr sz="1200">
+              <a:defRPr sz="964">
                 <a:solidFill>
                   <a:schemeClr val="tx1">
                     <a:tint val="75000"/>
@@ -2909,7 +2566,7 @@
           <a:p>
             <a:fld id="{AECF576C-C80D-4FAA-9976-90A76616BF76}" type="datetimeFigureOut">
               <a:rPr lang="zh-CN" altLang="en-US" smtClean="0"/>
-              <a:t>2023/3/13</a:t>
+              <a:t>2023/4/5</a:t>
             </a:fld>
             <a:endParaRPr lang="zh-CN" altLang="en-US"/>
           </a:p>
@@ -2917,13 +2574,7 @@
       </p:sp>
       <p:sp>
         <p:nvSpPr>
-          <p:cNvPr id="5" name="页脚占位符 4">
-            <a:extLst>
-              <a:ext uri="{FF2B5EF4-FFF2-40B4-BE49-F238E27FC236}">
-                <a16:creationId xmlns:a16="http://schemas.microsoft.com/office/drawing/2014/main" id="{9838BF87-D72C-CBFA-88E5-71E1AAE1D406}"/>
-              </a:ext>
-            </a:extLst>
-          </p:cNvPr>
+          <p:cNvPr id="5" name="Footer Placeholder 4"/>
           <p:cNvSpPr>
             <a:spLocks noGrp="1"/>
           </p:cNvSpPr>
@@ -2933,8 +2584,8 @@
         </p:nvSpPr>
         <p:spPr>
           <a:xfrm>
-            <a:off x="4038600" y="6356350"/>
-            <a:ext cx="4114800" cy="365125"/>
+            <a:off x="2432626" y="6356352"/>
+            <a:ext cx="2478524" cy="365125"/>
           </a:xfrm>
           <a:prstGeom prst="rect">
             <a:avLst/>
@@ -2944,7 +2595,7 @@
           <a:bodyPr vert="horz" lIns="91440" tIns="45720" rIns="91440" bIns="45720" rtlCol="0" anchor="ctr"/>
           <a:lstStyle>
             <a:lvl1pPr algn="ctr">
-              <a:defRPr sz="1200">
+              <a:defRPr sz="964">
                 <a:solidFill>
                   <a:schemeClr val="tx1">
                     <a:tint val="75000"/>
@@ -2960,13 +2611,7 @@
       </p:sp>
       <p:sp>
         <p:nvSpPr>
-          <p:cNvPr id="6" name="灯片编号占位符 5">
-            <a:extLst>
-              <a:ext uri="{FF2B5EF4-FFF2-40B4-BE49-F238E27FC236}">
-                <a16:creationId xmlns:a16="http://schemas.microsoft.com/office/drawing/2014/main" id="{AC62547B-2F33-B77D-99B5-2E957F6F9CD0}"/>
-              </a:ext>
-            </a:extLst>
-          </p:cNvPr>
+          <p:cNvPr id="6" name="Slide Number Placeholder 5"/>
           <p:cNvSpPr>
             <a:spLocks noGrp="1"/>
           </p:cNvSpPr>
@@ -2976,8 +2621,8 @@
         </p:nvSpPr>
         <p:spPr>
           <a:xfrm>
-            <a:off x="8610600" y="6356350"/>
-            <a:ext cx="2743200" cy="365125"/>
+            <a:off x="5186541" y="6356352"/>
+            <a:ext cx="1652349" cy="365125"/>
           </a:xfrm>
           <a:prstGeom prst="rect">
             <a:avLst/>
@@ -2987,7 +2632,7 @@
           <a:bodyPr vert="horz" lIns="91440" tIns="45720" rIns="91440" bIns="45720" rtlCol="0" anchor="ctr"/>
           <a:lstStyle>
             <a:lvl1pPr algn="r">
-              <a:defRPr sz="1200">
+              <a:defRPr sz="964">
                 <a:solidFill>
                   <a:schemeClr val="tx1">
                     <a:tint val="75000"/>
@@ -3008,27 +2653,27 @@
     </p:spTree>
     <p:extLst>
       <p:ext uri="{BB962C8B-B14F-4D97-AF65-F5344CB8AC3E}">
-        <p14:creationId xmlns:p14="http://schemas.microsoft.com/office/powerpoint/2010/main" val="203463000"/>
+        <p14:creationId xmlns:p14="http://schemas.microsoft.com/office/powerpoint/2010/main" val="2987553805"/>
       </p:ext>
     </p:extLst>
   </p:cSld>
   <p:clrMap bg1="lt1" tx1="dk1" bg2="lt2" tx2="dk2" accent1="accent1" accent2="accent2" accent3="accent3" accent4="accent4" accent5="accent5" accent6="accent6" hlink="hlink" folHlink="folHlink"/>
   <p:sldLayoutIdLst>
-    <p:sldLayoutId id="2147483649" r:id="rId1"/>
-    <p:sldLayoutId id="2147483650" r:id="rId2"/>
-    <p:sldLayoutId id="2147483651" r:id="rId3"/>
-    <p:sldLayoutId id="2147483652" r:id="rId4"/>
-    <p:sldLayoutId id="2147483653" r:id="rId5"/>
-    <p:sldLayoutId id="2147483654" r:id="rId6"/>
-    <p:sldLayoutId id="2147483655" r:id="rId7"/>
-    <p:sldLayoutId id="2147483656" r:id="rId8"/>
-    <p:sldLayoutId id="2147483657" r:id="rId9"/>
-    <p:sldLayoutId id="2147483658" r:id="rId10"/>
-    <p:sldLayoutId id="2147483659" r:id="rId11"/>
+    <p:sldLayoutId id="2147483673" r:id="rId1"/>
+    <p:sldLayoutId id="2147483674" r:id="rId2"/>
+    <p:sldLayoutId id="2147483675" r:id="rId3"/>
+    <p:sldLayoutId id="2147483676" r:id="rId4"/>
+    <p:sldLayoutId id="2147483677" r:id="rId5"/>
+    <p:sldLayoutId id="2147483678" r:id="rId6"/>
+    <p:sldLayoutId id="2147483679" r:id="rId7"/>
+    <p:sldLayoutId id="2147483680" r:id="rId8"/>
+    <p:sldLayoutId id="2147483681" r:id="rId9"/>
+    <p:sldLayoutId id="2147483682" r:id="rId10"/>
+    <p:sldLayoutId id="2147483683" r:id="rId11"/>
   </p:sldLayoutIdLst>
   <p:txStyles>
     <p:titleStyle>
-      <a:lvl1pPr algn="l" defTabSz="914400" rtl="0" eaLnBrk="1" latinLnBrk="0" hangingPunct="1">
+      <a:lvl1pPr algn="l" defTabSz="734355" rtl="0" eaLnBrk="1" latinLnBrk="0" hangingPunct="1">
         <a:lnSpc>
           <a:spcPct val="90000"/>
         </a:lnSpc>
@@ -3036,7 +2681,7 @@
           <a:spcPct val="0"/>
         </a:spcBef>
         <a:buNone/>
-        <a:defRPr sz="4400" kern="1200">
+        <a:defRPr sz="3534" kern="1200">
           <a:solidFill>
             <a:schemeClr val="tx1"/>
           </a:solidFill>
@@ -3047,16 +2692,16 @@
       </a:lvl1pPr>
     </p:titleStyle>
     <p:bodyStyle>
-      <a:lvl1pPr marL="228600" indent="-228600" algn="l" defTabSz="914400" rtl="0" eaLnBrk="1" latinLnBrk="0" hangingPunct="1">
+      <a:lvl1pPr marL="183589" indent="-183589" algn="l" defTabSz="734355" rtl="0" eaLnBrk="1" latinLnBrk="0" hangingPunct="1">
         <a:lnSpc>
           <a:spcPct val="90000"/>
         </a:lnSpc>
         <a:spcBef>
-          <a:spcPts val="1000"/>
+          <a:spcPts val="803"/>
         </a:spcBef>
         <a:buFont typeface="Arial" panose="020B0604020202020204" pitchFamily="34" charset="0"/>
         <a:buChar char="•"/>
-        <a:defRPr sz="2800" kern="1200">
+        <a:defRPr sz="2249" kern="1200">
           <a:solidFill>
             <a:schemeClr val="tx1"/>
           </a:solidFill>
@@ -3065,16 +2710,16 @@
           <a:cs typeface="+mn-cs"/>
         </a:defRPr>
       </a:lvl1pPr>
-      <a:lvl2pPr marL="685800" indent="-228600" algn="l" defTabSz="914400" rtl="0" eaLnBrk="1" latinLnBrk="0" hangingPunct="1">
+      <a:lvl2pPr marL="550766" indent="-183589" algn="l" defTabSz="734355" rtl="0" eaLnBrk="1" latinLnBrk="0" hangingPunct="1">
         <a:lnSpc>
           <a:spcPct val="90000"/>
         </a:lnSpc>
         <a:spcBef>
-          <a:spcPts val="500"/>
+          <a:spcPts val="402"/>
         </a:spcBef>
         <a:buFont typeface="Arial" panose="020B0604020202020204" pitchFamily="34" charset="0"/>
         <a:buChar char="•"/>
-        <a:defRPr sz="2400" kern="1200">
+        <a:defRPr sz="1927" kern="1200">
           <a:solidFill>
             <a:schemeClr val="tx1"/>
           </a:solidFill>
@@ -3083,16 +2728,16 @@
           <a:cs typeface="+mn-cs"/>
         </a:defRPr>
       </a:lvl2pPr>
-      <a:lvl3pPr marL="1143000" indent="-228600" algn="l" defTabSz="914400" rtl="0" eaLnBrk="1" latinLnBrk="0" hangingPunct="1">
+      <a:lvl3pPr marL="917943" indent="-183589" algn="l" defTabSz="734355" rtl="0" eaLnBrk="1" latinLnBrk="0" hangingPunct="1">
         <a:lnSpc>
           <a:spcPct val="90000"/>
         </a:lnSpc>
         <a:spcBef>
-          <a:spcPts val="500"/>
+          <a:spcPts val="402"/>
         </a:spcBef>
         <a:buFont typeface="Arial" panose="020B0604020202020204" pitchFamily="34" charset="0"/>
         <a:buChar char="•"/>
-        <a:defRPr sz="2000" kern="1200">
+        <a:defRPr sz="1606" kern="1200">
           <a:solidFill>
             <a:schemeClr val="tx1"/>
           </a:solidFill>
@@ -3101,16 +2746,16 @@
           <a:cs typeface="+mn-cs"/>
         </a:defRPr>
       </a:lvl3pPr>
-      <a:lvl4pPr marL="1600200" indent="-228600" algn="l" defTabSz="914400" rtl="0" eaLnBrk="1" latinLnBrk="0" hangingPunct="1">
+      <a:lvl4pPr marL="1285121" indent="-183589" algn="l" defTabSz="734355" rtl="0" eaLnBrk="1" latinLnBrk="0" hangingPunct="1">
         <a:lnSpc>
           <a:spcPct val="90000"/>
         </a:lnSpc>
         <a:spcBef>
-          <a:spcPts val="500"/>
+          <a:spcPts val="402"/>
         </a:spcBef>
         <a:buFont typeface="Arial" panose="020B0604020202020204" pitchFamily="34" charset="0"/>
         <a:buChar char="•"/>
-        <a:defRPr sz="1800" kern="1200">
+        <a:defRPr sz="1446" kern="1200">
           <a:solidFill>
             <a:schemeClr val="tx1"/>
           </a:solidFill>
@@ -3119,16 +2764,16 @@
           <a:cs typeface="+mn-cs"/>
         </a:defRPr>
       </a:lvl4pPr>
-      <a:lvl5pPr marL="2057400" indent="-228600" algn="l" defTabSz="914400" rtl="0" eaLnBrk="1" latinLnBrk="0" hangingPunct="1">
+      <a:lvl5pPr marL="1652298" indent="-183589" algn="l" defTabSz="734355" rtl="0" eaLnBrk="1" latinLnBrk="0" hangingPunct="1">
         <a:lnSpc>
           <a:spcPct val="90000"/>
         </a:lnSpc>
         <a:spcBef>
-          <a:spcPts val="500"/>
+          <a:spcPts val="402"/>
         </a:spcBef>
         <a:buFont typeface="Arial" panose="020B0604020202020204" pitchFamily="34" charset="0"/>
         <a:buChar char="•"/>
-        <a:defRPr sz="1800" kern="1200">
+        <a:defRPr sz="1446" kern="1200">
           <a:solidFill>
             <a:schemeClr val="tx1"/>
           </a:solidFill>
@@ -3137,16 +2782,16 @@
           <a:cs typeface="+mn-cs"/>
         </a:defRPr>
       </a:lvl5pPr>
-      <a:lvl6pPr marL="2514600" indent="-228600" algn="l" defTabSz="914400" rtl="0" eaLnBrk="1" latinLnBrk="0" hangingPunct="1">
+      <a:lvl6pPr marL="2019475" indent="-183589" algn="l" defTabSz="734355" rtl="0" eaLnBrk="1" latinLnBrk="0" hangingPunct="1">
         <a:lnSpc>
           <a:spcPct val="90000"/>
         </a:lnSpc>
         <a:spcBef>
-          <a:spcPts val="500"/>
+          <a:spcPts val="402"/>
         </a:spcBef>
         <a:buFont typeface="Arial" panose="020B0604020202020204" pitchFamily="34" charset="0"/>
         <a:buChar char="•"/>
-        <a:defRPr sz="1800" kern="1200">
+        <a:defRPr sz="1446" kern="1200">
           <a:solidFill>
             <a:schemeClr val="tx1"/>
           </a:solidFill>
@@ -3155,16 +2800,16 @@
           <a:cs typeface="+mn-cs"/>
         </a:defRPr>
       </a:lvl6pPr>
-      <a:lvl7pPr marL="2971800" indent="-228600" algn="l" defTabSz="914400" rtl="0" eaLnBrk="1" latinLnBrk="0" hangingPunct="1">
+      <a:lvl7pPr marL="2386653" indent="-183589" algn="l" defTabSz="734355" rtl="0" eaLnBrk="1" latinLnBrk="0" hangingPunct="1">
         <a:lnSpc>
           <a:spcPct val="90000"/>
         </a:lnSpc>
         <a:spcBef>
-          <a:spcPts val="500"/>
+          <a:spcPts val="402"/>
         </a:spcBef>
         <a:buFont typeface="Arial" panose="020B0604020202020204" pitchFamily="34" charset="0"/>
         <a:buChar char="•"/>
-        <a:defRPr sz="1800" kern="1200">
+        <a:defRPr sz="1446" kern="1200">
           <a:solidFill>
             <a:schemeClr val="tx1"/>
           </a:solidFill>
@@ -3173,16 +2818,16 @@
           <a:cs typeface="+mn-cs"/>
         </a:defRPr>
       </a:lvl7pPr>
-      <a:lvl8pPr marL="3429000" indent="-228600" algn="l" defTabSz="914400" rtl="0" eaLnBrk="1" latinLnBrk="0" hangingPunct="1">
+      <a:lvl8pPr marL="2753830" indent="-183589" algn="l" defTabSz="734355" rtl="0" eaLnBrk="1" latinLnBrk="0" hangingPunct="1">
         <a:lnSpc>
           <a:spcPct val="90000"/>
         </a:lnSpc>
         <a:spcBef>
-          <a:spcPts val="500"/>
+          <a:spcPts val="402"/>
         </a:spcBef>
         <a:buFont typeface="Arial" panose="020B0604020202020204" pitchFamily="34" charset="0"/>
         <a:buChar char="•"/>
-        <a:defRPr sz="1800" kern="1200">
+        <a:defRPr sz="1446" kern="1200">
           <a:solidFill>
             <a:schemeClr val="tx1"/>
           </a:solidFill>
@@ -3191,16 +2836,16 @@
           <a:cs typeface="+mn-cs"/>
         </a:defRPr>
       </a:lvl8pPr>
-      <a:lvl9pPr marL="3886200" indent="-228600" algn="l" defTabSz="914400" rtl="0" eaLnBrk="1" latinLnBrk="0" hangingPunct="1">
+      <a:lvl9pPr marL="3121007" indent="-183589" algn="l" defTabSz="734355" rtl="0" eaLnBrk="1" latinLnBrk="0" hangingPunct="1">
         <a:lnSpc>
           <a:spcPct val="90000"/>
         </a:lnSpc>
         <a:spcBef>
-          <a:spcPts val="500"/>
+          <a:spcPts val="402"/>
         </a:spcBef>
         <a:buFont typeface="Arial" panose="020B0604020202020204" pitchFamily="34" charset="0"/>
         <a:buChar char="•"/>
-        <a:defRPr sz="1800" kern="1200">
+        <a:defRPr sz="1446" kern="1200">
           <a:solidFill>
             <a:schemeClr val="tx1"/>
           </a:solidFill>
@@ -3212,10 +2857,10 @@
     </p:bodyStyle>
     <p:otherStyle>
       <a:defPPr>
-        <a:defRPr lang="zh-CN"/>
+        <a:defRPr lang="en-US"/>
       </a:defPPr>
-      <a:lvl1pPr marL="0" algn="l" defTabSz="914400" rtl="0" eaLnBrk="1" latinLnBrk="0" hangingPunct="1">
-        <a:defRPr sz="1800" kern="1200">
+      <a:lvl1pPr marL="0" algn="l" defTabSz="734355" rtl="0" eaLnBrk="1" latinLnBrk="0" hangingPunct="1">
+        <a:defRPr sz="1446" kern="1200">
           <a:solidFill>
             <a:schemeClr val="tx1"/>
           </a:solidFill>
@@ -3224,8 +2869,8 @@
           <a:cs typeface="+mn-cs"/>
         </a:defRPr>
       </a:lvl1pPr>
-      <a:lvl2pPr marL="457200" algn="l" defTabSz="914400" rtl="0" eaLnBrk="1" latinLnBrk="0" hangingPunct="1">
-        <a:defRPr sz="1800" kern="1200">
+      <a:lvl2pPr marL="367177" algn="l" defTabSz="734355" rtl="0" eaLnBrk="1" latinLnBrk="0" hangingPunct="1">
+        <a:defRPr sz="1446" kern="1200">
           <a:solidFill>
             <a:schemeClr val="tx1"/>
           </a:solidFill>
@@ -3234,8 +2879,8 @@
           <a:cs typeface="+mn-cs"/>
         </a:defRPr>
       </a:lvl2pPr>
-      <a:lvl3pPr marL="914400" algn="l" defTabSz="914400" rtl="0" eaLnBrk="1" latinLnBrk="0" hangingPunct="1">
-        <a:defRPr sz="1800" kern="1200">
+      <a:lvl3pPr marL="734355" algn="l" defTabSz="734355" rtl="0" eaLnBrk="1" latinLnBrk="0" hangingPunct="1">
+        <a:defRPr sz="1446" kern="1200">
           <a:solidFill>
             <a:schemeClr val="tx1"/>
           </a:solidFill>
@@ -3244,8 +2889,8 @@
           <a:cs typeface="+mn-cs"/>
         </a:defRPr>
       </a:lvl3pPr>
-      <a:lvl4pPr marL="1371600" algn="l" defTabSz="914400" rtl="0" eaLnBrk="1" latinLnBrk="0" hangingPunct="1">
-        <a:defRPr sz="1800" kern="1200">
+      <a:lvl4pPr marL="1101532" algn="l" defTabSz="734355" rtl="0" eaLnBrk="1" latinLnBrk="0" hangingPunct="1">
+        <a:defRPr sz="1446" kern="1200">
           <a:solidFill>
             <a:schemeClr val="tx1"/>
           </a:solidFill>
@@ -3254,8 +2899,8 @@
           <a:cs typeface="+mn-cs"/>
         </a:defRPr>
       </a:lvl4pPr>
-      <a:lvl5pPr marL="1828800" algn="l" defTabSz="914400" rtl="0" eaLnBrk="1" latinLnBrk="0" hangingPunct="1">
-        <a:defRPr sz="1800" kern="1200">
+      <a:lvl5pPr marL="1468709" algn="l" defTabSz="734355" rtl="0" eaLnBrk="1" latinLnBrk="0" hangingPunct="1">
+        <a:defRPr sz="1446" kern="1200">
           <a:solidFill>
             <a:schemeClr val="tx1"/>
           </a:solidFill>
@@ -3264,8 +2909,8 @@
           <a:cs typeface="+mn-cs"/>
         </a:defRPr>
       </a:lvl5pPr>
-      <a:lvl6pPr marL="2286000" algn="l" defTabSz="914400" rtl="0" eaLnBrk="1" latinLnBrk="0" hangingPunct="1">
-        <a:defRPr sz="1800" kern="1200">
+      <a:lvl6pPr marL="1835887" algn="l" defTabSz="734355" rtl="0" eaLnBrk="1" latinLnBrk="0" hangingPunct="1">
+        <a:defRPr sz="1446" kern="1200">
           <a:solidFill>
             <a:schemeClr val="tx1"/>
           </a:solidFill>
@@ -3274,8 +2919,8 @@
           <a:cs typeface="+mn-cs"/>
         </a:defRPr>
       </a:lvl6pPr>
-      <a:lvl7pPr marL="2743200" algn="l" defTabSz="914400" rtl="0" eaLnBrk="1" latinLnBrk="0" hangingPunct="1">
-        <a:defRPr sz="1800" kern="1200">
+      <a:lvl7pPr marL="2203064" algn="l" defTabSz="734355" rtl="0" eaLnBrk="1" latinLnBrk="0" hangingPunct="1">
+        <a:defRPr sz="1446" kern="1200">
           <a:solidFill>
             <a:schemeClr val="tx1"/>
           </a:solidFill>
@@ -3284,8 +2929,8 @@
           <a:cs typeface="+mn-cs"/>
         </a:defRPr>
       </a:lvl7pPr>
-      <a:lvl8pPr marL="3200400" algn="l" defTabSz="914400" rtl="0" eaLnBrk="1" latinLnBrk="0" hangingPunct="1">
-        <a:defRPr sz="1800" kern="1200">
+      <a:lvl8pPr marL="2570241" algn="l" defTabSz="734355" rtl="0" eaLnBrk="1" latinLnBrk="0" hangingPunct="1">
+        <a:defRPr sz="1446" kern="1200">
           <a:solidFill>
             <a:schemeClr val="tx1"/>
           </a:solidFill>
@@ -3294,8 +2939,8 @@
           <a:cs typeface="+mn-cs"/>
         </a:defRPr>
       </a:lvl8pPr>
-      <a:lvl9pPr marL="3657600" algn="l" defTabSz="914400" rtl="0" eaLnBrk="1" latinLnBrk="0" hangingPunct="1">
-        <a:defRPr sz="1800" kern="1200">
+      <a:lvl9pPr marL="2937419" algn="l" defTabSz="734355" rtl="0" eaLnBrk="1" latinLnBrk="0" hangingPunct="1">
+        <a:defRPr sz="1446" kern="1200">
           <a:solidFill>
             <a:schemeClr val="tx1"/>
           </a:solidFill>
@@ -3354,7 +2999,7 @@
         </p:blipFill>
         <p:spPr>
           <a:xfrm>
-            <a:off x="2884780" y="510251"/>
+            <a:off x="170314" y="549255"/>
             <a:ext cx="1755651" cy="1755651"/>
           </a:xfrm>
           <a:prstGeom prst="rect">
@@ -3416,7 +3061,7 @@
         </p:blipFill>
         <p:spPr>
           <a:xfrm>
-            <a:off x="2884779" y="2235316"/>
+            <a:off x="170314" y="2274320"/>
             <a:ext cx="1755651" cy="1755651"/>
           </a:xfrm>
           <a:prstGeom prst="rect">
@@ -3478,7 +3123,7 @@
         </p:blipFill>
         <p:spPr>
           <a:xfrm>
-            <a:off x="2884780" y="3960381"/>
+            <a:off x="170314" y="3999385"/>
             <a:ext cx="1755651" cy="1755651"/>
           </a:xfrm>
           <a:prstGeom prst="rect">
@@ -3528,7 +3173,7 @@
         </p:nvSpPr>
         <p:spPr>
           <a:xfrm>
-            <a:off x="8170459" y="2921542"/>
+            <a:off x="5562986" y="3019938"/>
             <a:ext cx="208875" cy="164123"/>
           </a:xfrm>
           <a:prstGeom prst="cube">
@@ -3591,8 +3236,8 @@
         </p:nvCxnSpPr>
         <p:spPr>
           <a:xfrm>
-            <a:off x="3768718" y="1388076"/>
-            <a:ext cx="793129" cy="0"/>
+            <a:off x="1054253" y="1427078"/>
+            <a:ext cx="779795" cy="0"/>
           </a:xfrm>
           <a:prstGeom prst="line">
             <a:avLst/>
@@ -3634,7 +3279,7 @@
         </p:nvCxnSpPr>
         <p:spPr>
           <a:xfrm>
-            <a:off x="3768718" y="3067047"/>
+            <a:off x="1054253" y="3106049"/>
             <a:ext cx="685001" cy="0"/>
           </a:xfrm>
           <a:prstGeom prst="line">
@@ -3675,7 +3320,7 @@
         </p:nvCxnSpPr>
         <p:spPr>
           <a:xfrm>
-            <a:off x="3794791" y="4776470"/>
+            <a:off x="1080324" y="4815472"/>
             <a:ext cx="767056" cy="0"/>
           </a:xfrm>
           <a:prstGeom prst="line">
@@ -3719,7 +3364,7 @@
         </p:nvCxnSpPr>
         <p:spPr>
           <a:xfrm>
-            <a:off x="4548513" y="1388075"/>
+            <a:off x="1834046" y="1427079"/>
             <a:ext cx="0" cy="1588915"/>
           </a:xfrm>
           <a:prstGeom prst="line">
@@ -3763,7 +3408,7 @@
         </p:nvCxnSpPr>
         <p:spPr>
           <a:xfrm>
-            <a:off x="4548513" y="3156990"/>
+            <a:off x="1834046" y="3195992"/>
             <a:ext cx="13334" cy="1619480"/>
           </a:xfrm>
           <a:prstGeom prst="line">
@@ -3799,13 +3444,15 @@
               </a:ext>
             </a:extLst>
           </p:cNvPr>
-          <p:cNvCxnSpPr/>
+          <p:cNvCxnSpPr>
+            <a:cxnSpLocks/>
+          </p:cNvCxnSpPr>
           <p:nvPr/>
         </p:nvCxnSpPr>
         <p:spPr>
           <a:xfrm>
-            <a:off x="4639045" y="3066990"/>
-            <a:ext cx="568657" cy="0"/>
+            <a:off x="1928911" y="3106049"/>
+            <a:ext cx="448660" cy="0"/>
           </a:xfrm>
           <a:prstGeom prst="straightConnector1">
             <a:avLst/>
@@ -3846,7 +3493,7 @@
         </p:nvSpPr>
         <p:spPr>
           <a:xfrm>
-            <a:off x="4457981" y="2976990"/>
+            <a:off x="1743514" y="3015992"/>
             <a:ext cx="181064" cy="180000"/>
           </a:xfrm>
           <a:prstGeom prst="flowChartOr">
@@ -3900,7 +3547,7 @@
         </p:nvSpPr>
         <p:spPr>
           <a:xfrm>
-            <a:off x="4949188" y="2002701"/>
+            <a:off x="2173096" y="2041705"/>
             <a:ext cx="720517" cy="2128577"/>
           </a:xfrm>
           <a:prstGeom prst="cube">
@@ -3956,13 +3603,15 @@
               </a:ext>
             </a:extLst>
           </p:cNvPr>
-          <p:cNvCxnSpPr/>
+          <p:cNvCxnSpPr>
+            <a:cxnSpLocks/>
+          </p:cNvCxnSpPr>
           <p:nvPr/>
         </p:nvCxnSpPr>
         <p:spPr>
           <a:xfrm>
-            <a:off x="5385376" y="3051440"/>
-            <a:ext cx="568657" cy="0"/>
+            <a:off x="2693927" y="3106049"/>
+            <a:ext cx="597846" cy="0"/>
           </a:xfrm>
           <a:prstGeom prst="straightConnector1">
             <a:avLst/>
@@ -4005,7 +3654,7 @@
         </p:nvSpPr>
         <p:spPr>
           <a:xfrm>
-            <a:off x="5790293" y="2265902"/>
+            <a:off x="3140744" y="2355601"/>
             <a:ext cx="536355" cy="1500780"/>
           </a:xfrm>
           <a:prstGeom prst="cube">
@@ -4061,12 +3710,14 @@
               </a:ext>
             </a:extLst>
           </p:cNvPr>
-          <p:cNvCxnSpPr/>
+          <p:cNvCxnSpPr>
+            <a:cxnSpLocks/>
+          </p:cNvCxnSpPr>
           <p:nvPr/>
         </p:nvCxnSpPr>
         <p:spPr>
           <a:xfrm>
-            <a:off x="6119974" y="3031344"/>
+            <a:off x="3517323" y="3106049"/>
             <a:ext cx="568657" cy="0"/>
           </a:xfrm>
           <a:prstGeom prst="straightConnector1">
@@ -4110,7 +3761,7 @@
         </p:nvSpPr>
         <p:spPr>
           <a:xfrm>
-            <a:off x="6469590" y="2544696"/>
+            <a:off x="3924230" y="2673700"/>
             <a:ext cx="490975" cy="864587"/>
           </a:xfrm>
           <a:prstGeom prst="cube">
@@ -4173,7 +3824,7 @@
         </p:nvCxnSpPr>
         <p:spPr>
           <a:xfrm>
-            <a:off x="6837528" y="3016292"/>
+            <a:off x="4311526" y="3106049"/>
             <a:ext cx="465780" cy="0"/>
           </a:xfrm>
           <a:prstGeom prst="straightConnector1">
@@ -4217,7 +3868,7 @@
         </p:nvSpPr>
         <p:spPr>
           <a:xfrm>
-            <a:off x="7135526" y="2749814"/>
+            <a:off x="4662334" y="2878816"/>
             <a:ext cx="682700" cy="454350"/>
           </a:xfrm>
           <a:prstGeom prst="cube">
@@ -4280,8 +3931,8 @@
         </p:nvCxnSpPr>
         <p:spPr>
           <a:xfrm>
-            <a:off x="7766743" y="3003604"/>
-            <a:ext cx="403716" cy="0"/>
+            <a:off x="5283585" y="3101999"/>
+            <a:ext cx="308580" cy="0"/>
           </a:xfrm>
           <a:prstGeom prst="straightConnector1">
             <a:avLst/>
@@ -4322,8 +3973,8 @@
         </p:nvSpPr>
         <p:spPr>
           <a:xfrm>
-            <a:off x="3497219" y="0"/>
-            <a:ext cx="787021" cy="276999"/>
+            <a:off x="618073" y="6086317"/>
+            <a:ext cx="992442" cy="276999"/>
           </a:xfrm>
           <a:prstGeom prst="rect">
             <a:avLst/>
@@ -4338,7 +3989,7 @@
           <a:p>
             <a:r>
               <a:rPr lang="en-US" altLang="zh-CN" sz="1200" dirty="0"/>
-              <a:t>64*64*3</a:t>
+              <a:t>3×64×64</a:t>
             </a:r>
             <a:endParaRPr lang="zh-CN" altLang="en-US" sz="1200" dirty="0"/>
           </a:p>
@@ -4358,8 +4009,8 @@
         </p:nvSpPr>
         <p:spPr>
           <a:xfrm>
-            <a:off x="4908671" y="1781598"/>
-            <a:ext cx="787021" cy="276999"/>
+            <a:off x="2113662" y="4339977"/>
+            <a:ext cx="908802" cy="276999"/>
           </a:xfrm>
           <a:prstGeom prst="rect">
             <a:avLst/>
@@ -4374,7 +4025,7 @@
           <a:p>
             <a:r>
               <a:rPr lang="en-US" altLang="zh-CN" sz="1200" dirty="0"/>
-              <a:t>64*64*3</a:t>
+              <a:t>9×64×64</a:t>
             </a:r>
             <a:endParaRPr lang="zh-CN" altLang="en-US" sz="1200" dirty="0"/>
           </a:p>
@@ -4394,8 +4045,8 @@
         </p:nvSpPr>
         <p:spPr>
           <a:xfrm>
-            <a:off x="5736931" y="2002701"/>
-            <a:ext cx="787021" cy="276999"/>
+            <a:off x="2921205" y="4116630"/>
+            <a:ext cx="951700" cy="276999"/>
           </a:xfrm>
           <a:prstGeom prst="rect">
             <a:avLst/>
@@ -4410,7 +4061,7 @@
           <a:p>
             <a:r>
               <a:rPr lang="en-US" altLang="zh-CN" sz="1200" dirty="0"/>
-              <a:t>64*64*3</a:t>
+              <a:t>32×32×32</a:t>
             </a:r>
             <a:endParaRPr lang="zh-CN" altLang="en-US" sz="1200" dirty="0"/>
           </a:p>
@@ -4430,8 +4081,8 @@
         </p:nvSpPr>
         <p:spPr>
           <a:xfrm>
-            <a:off x="6418886" y="2240023"/>
-            <a:ext cx="787021" cy="276999"/>
+            <a:off x="3589696" y="3778860"/>
+            <a:ext cx="928814" cy="276999"/>
           </a:xfrm>
           <a:prstGeom prst="rect">
             <a:avLst/>
@@ -4446,7 +4097,7 @@
           <a:p>
             <a:r>
               <a:rPr lang="en-US" altLang="zh-CN" sz="1200" dirty="0"/>
-              <a:t>64*64*3</a:t>
+              <a:t>64×16×16</a:t>
             </a:r>
             <a:endParaRPr lang="zh-CN" altLang="en-US" sz="1200" dirty="0"/>
           </a:p>
@@ -4466,7 +4117,7 @@
         </p:nvSpPr>
         <p:spPr>
           <a:xfrm>
-            <a:off x="7057492" y="2390755"/>
+            <a:off x="4408429" y="3419257"/>
             <a:ext cx="787021" cy="276999"/>
           </a:xfrm>
           <a:prstGeom prst="rect">
@@ -4482,7 +4133,7 @@
           <a:p>
             <a:r>
               <a:rPr lang="en-US" altLang="zh-CN" sz="1200" dirty="0"/>
-              <a:t>64*64*3</a:t>
+              <a:t>128×8×8</a:t>
             </a:r>
             <a:endParaRPr lang="zh-CN" altLang="en-US" sz="1200" dirty="0"/>
           </a:p>
@@ -4502,8 +4153,8 @@
         </p:nvSpPr>
         <p:spPr>
           <a:xfrm>
-            <a:off x="7985823" y="2582483"/>
-            <a:ext cx="787021" cy="276999"/>
+            <a:off x="5230812" y="3317195"/>
+            <a:ext cx="817361" cy="276999"/>
           </a:xfrm>
           <a:prstGeom prst="rect">
             <a:avLst/>
@@ -4518,12 +4169,336 @@
           <a:p>
             <a:r>
               <a:rPr lang="en-US" altLang="zh-CN" sz="1200" dirty="0"/>
-              <a:t>64*64*3</a:t>
+              <a:t>256×4×4</a:t>
             </a:r>
             <a:endParaRPr lang="zh-CN" altLang="en-US" sz="1200" dirty="0"/>
           </a:p>
         </p:txBody>
       </p:sp>
+      <p:sp>
+        <p:nvSpPr>
+          <p:cNvPr id="12" name="文本框 11">
+            <a:extLst>
+              <a:ext uri="{FF2B5EF4-FFF2-40B4-BE49-F238E27FC236}">
+                <a16:creationId xmlns:a16="http://schemas.microsoft.com/office/drawing/2014/main" id="{28DC12E6-F194-05E8-F7F4-1822645AC00E}"/>
+              </a:ext>
+            </a:extLst>
+          </p:cNvPr>
+          <p:cNvSpPr txBox="1"/>
+          <p:nvPr/>
+        </p:nvSpPr>
+        <p:spPr>
+          <a:xfrm>
+            <a:off x="6554451" y="2821673"/>
+            <a:ext cx="637482" cy="646331"/>
+          </a:xfrm>
+          <a:prstGeom prst="rect">
+            <a:avLst/>
+          </a:prstGeom>
+          <a:noFill/>
+        </p:spPr>
+        <p:txBody>
+          <a:bodyPr wrap="none" rtlCol="0">
+            <a:spAutoFit/>
+          </a:bodyPr>
+          <a:lstStyle/>
+          <a:p>
+            <a:r>
+              <a:rPr lang="en-US" altLang="zh-CN" dirty="0"/>
+              <a:t>Real </a:t>
+            </a:r>
+          </a:p>
+          <a:p>
+            <a:r>
+              <a:rPr lang="en-US" altLang="zh-CN" dirty="0"/>
+              <a:t>Fake</a:t>
+            </a:r>
+            <a:endParaRPr lang="zh-CN" altLang="en-US" dirty="0"/>
+          </a:p>
+        </p:txBody>
+      </p:sp>
+      <p:sp>
+        <p:nvSpPr>
+          <p:cNvPr id="13" name="立方体 12">
+            <a:extLst>
+              <a:ext uri="{FF2B5EF4-FFF2-40B4-BE49-F238E27FC236}">
+                <a16:creationId xmlns:a16="http://schemas.microsoft.com/office/drawing/2014/main" id="{5753EB13-7CB3-5A94-8ECC-C46DAA34C0FE}"/>
+              </a:ext>
+            </a:extLst>
+          </p:cNvPr>
+          <p:cNvSpPr>
+            <a:spLocks noChangeAspect="1"/>
+          </p:cNvSpPr>
+          <p:nvPr/>
+        </p:nvSpPr>
+        <p:spPr>
+          <a:xfrm>
+            <a:off x="6048173" y="3019938"/>
+            <a:ext cx="208875" cy="164123"/>
+          </a:xfrm>
+          <a:prstGeom prst="cube">
+            <a:avLst>
+              <a:gd name="adj" fmla="val 28941"/>
+            </a:avLst>
+          </a:prstGeom>
+          <a:solidFill>
+            <a:schemeClr val="accent6">
+              <a:lumMod val="20000"/>
+              <a:lumOff val="80000"/>
+              <a:alpha val="80000"/>
+            </a:schemeClr>
+          </a:solidFill>
+          <a:scene3d>
+            <a:camera prst="orthographicFront">
+              <a:rot lat="0" lon="0" rev="0"/>
+            </a:camera>
+            <a:lightRig rig="threePt" dir="t"/>
+          </a:scene3d>
+        </p:spPr>
+        <p:style>
+          <a:lnRef idx="2">
+            <a:schemeClr val="accent1">
+              <a:shade val="50000"/>
+            </a:schemeClr>
+          </a:lnRef>
+          <a:fillRef idx="1">
+            <a:schemeClr val="accent1"/>
+          </a:fillRef>
+          <a:effectRef idx="0">
+            <a:schemeClr val="accent1"/>
+          </a:effectRef>
+          <a:fontRef idx="minor">
+            <a:schemeClr val="lt1"/>
+          </a:fontRef>
+        </p:style>
+        <p:txBody>
+          <a:bodyPr rtlCol="0" anchor="ctr"/>
+          <a:lstStyle/>
+          <a:p>
+            <a:pPr algn="ctr"/>
+            <a:endParaRPr lang="zh-CN" altLang="en-US" dirty="0"/>
+          </a:p>
+        </p:txBody>
+      </p:sp>
+      <p:sp>
+        <p:nvSpPr>
+          <p:cNvPr id="19" name="文本框 18">
+            <a:extLst>
+              <a:ext uri="{FF2B5EF4-FFF2-40B4-BE49-F238E27FC236}">
+                <a16:creationId xmlns:a16="http://schemas.microsoft.com/office/drawing/2014/main" id="{4B84B56B-16B4-BC3C-1920-B20445EAAE62}"/>
+              </a:ext>
+            </a:extLst>
+          </p:cNvPr>
+          <p:cNvSpPr txBox="1"/>
+          <p:nvPr/>
+        </p:nvSpPr>
+        <p:spPr>
+          <a:xfrm>
+            <a:off x="5940068" y="3317192"/>
+            <a:ext cx="787021" cy="276999"/>
+          </a:xfrm>
+          <a:prstGeom prst="rect">
+            <a:avLst/>
+          </a:prstGeom>
+          <a:noFill/>
+        </p:spPr>
+        <p:txBody>
+          <a:bodyPr wrap="square" rtlCol="0">
+            <a:spAutoFit/>
+          </a:bodyPr>
+          <a:lstStyle/>
+          <a:p>
+            <a:r>
+              <a:rPr lang="en-US" altLang="zh-CN" sz="1200" dirty="0"/>
+              <a:t>1×1×1</a:t>
+            </a:r>
+            <a:endParaRPr lang="zh-CN" altLang="en-US" sz="1200" dirty="0"/>
+          </a:p>
+        </p:txBody>
+      </p:sp>
+      <p:sp>
+        <p:nvSpPr>
+          <p:cNvPr id="21" name="立方体 20">
+            <a:extLst>
+              <a:ext uri="{FF2B5EF4-FFF2-40B4-BE49-F238E27FC236}">
+                <a16:creationId xmlns:a16="http://schemas.microsoft.com/office/drawing/2014/main" id="{C71452B9-2D1C-AB58-15DD-E92E23B3F719}"/>
+              </a:ext>
+            </a:extLst>
+          </p:cNvPr>
+          <p:cNvSpPr/>
+          <p:nvPr/>
+        </p:nvSpPr>
+        <p:spPr>
+          <a:xfrm>
+            <a:off x="2893611" y="5201830"/>
+            <a:ext cx="372002" cy="369332"/>
+          </a:xfrm>
+          <a:prstGeom prst="cube">
+            <a:avLst/>
+          </a:prstGeom>
+          <a:solidFill>
+            <a:schemeClr val="accent6">
+              <a:lumMod val="20000"/>
+              <a:lumOff val="80000"/>
+              <a:alpha val="80000"/>
+            </a:schemeClr>
+          </a:solidFill>
+          <a:scene3d>
+            <a:camera prst="orthographicFront">
+              <a:rot lat="0" lon="0" rev="0"/>
+            </a:camera>
+            <a:lightRig rig="threePt" dir="t"/>
+          </a:scene3d>
+        </p:spPr>
+        <p:style>
+          <a:lnRef idx="2">
+            <a:schemeClr val="accent1">
+              <a:shade val="50000"/>
+            </a:schemeClr>
+          </a:lnRef>
+          <a:fillRef idx="1">
+            <a:schemeClr val="accent1"/>
+          </a:fillRef>
+          <a:effectRef idx="0">
+            <a:schemeClr val="accent1"/>
+          </a:effectRef>
+          <a:fontRef idx="minor">
+            <a:schemeClr val="lt1"/>
+          </a:fontRef>
+        </p:style>
+        <p:txBody>
+          <a:bodyPr rtlCol="0" anchor="ctr"/>
+          <a:lstStyle/>
+          <a:p>
+            <a:pPr algn="ctr"/>
+            <a:endParaRPr lang="zh-CN" altLang="en-US"/>
+          </a:p>
+        </p:txBody>
+      </p:sp>
+      <p:sp>
+        <p:nvSpPr>
+          <p:cNvPr id="27" name="文本框 26">
+            <a:extLst>
+              <a:ext uri="{FF2B5EF4-FFF2-40B4-BE49-F238E27FC236}">
+                <a16:creationId xmlns:a16="http://schemas.microsoft.com/office/drawing/2014/main" id="{C05F5267-3C5B-B76F-2462-1BF2BA41188A}"/>
+              </a:ext>
+            </a:extLst>
+          </p:cNvPr>
+          <p:cNvSpPr txBox="1"/>
+          <p:nvPr/>
+        </p:nvSpPr>
+        <p:spPr>
+          <a:xfrm>
+            <a:off x="3334573" y="5219021"/>
+            <a:ext cx="1990659" cy="307777"/>
+          </a:xfrm>
+          <a:prstGeom prst="rect">
+            <a:avLst/>
+          </a:prstGeom>
+          <a:noFill/>
+        </p:spPr>
+        <p:txBody>
+          <a:bodyPr wrap="square" rtlCol="0">
+            <a:spAutoFit/>
+          </a:bodyPr>
+          <a:lstStyle/>
+          <a:p>
+            <a:r>
+              <a:rPr lang="en-US" altLang="zh-CN" sz="1400" dirty="0" err="1"/>
+              <a:t>Conv+BN+Relu</a:t>
+            </a:r>
+            <a:endParaRPr lang="zh-CN" altLang="en-US" sz="1400" dirty="0"/>
+          </a:p>
+        </p:txBody>
+      </p:sp>
+      <p:cxnSp>
+        <p:nvCxnSpPr>
+          <p:cNvPr id="47" name="直接箭头连接符 46">
+            <a:extLst>
+              <a:ext uri="{FF2B5EF4-FFF2-40B4-BE49-F238E27FC236}">
+                <a16:creationId xmlns:a16="http://schemas.microsoft.com/office/drawing/2014/main" id="{7219C7C0-5592-21E5-A5D3-46410B7D6F15}"/>
+              </a:ext>
+            </a:extLst>
+          </p:cNvPr>
+          <p:cNvCxnSpPr>
+            <a:cxnSpLocks/>
+          </p:cNvCxnSpPr>
+          <p:nvPr/>
+        </p:nvCxnSpPr>
+        <p:spPr>
+          <a:xfrm>
+            <a:off x="5758411" y="3101999"/>
+            <a:ext cx="308580" cy="0"/>
+          </a:xfrm>
+          <a:prstGeom prst="straightConnector1">
+            <a:avLst/>
+          </a:prstGeom>
+          <a:ln w="12700">
+            <a:solidFill>
+              <a:schemeClr val="tx1"/>
+            </a:solidFill>
+            <a:tailEnd type="triangle"/>
+          </a:ln>
+        </p:spPr>
+        <p:style>
+          <a:lnRef idx="1">
+            <a:schemeClr val="accent1"/>
+          </a:lnRef>
+          <a:fillRef idx="0">
+            <a:schemeClr val="accent1"/>
+          </a:fillRef>
+          <a:effectRef idx="0">
+            <a:schemeClr val="accent1"/>
+          </a:effectRef>
+          <a:fontRef idx="minor">
+            <a:schemeClr val="tx1"/>
+          </a:fontRef>
+        </p:style>
+      </p:cxnSp>
+      <p:cxnSp>
+        <p:nvCxnSpPr>
+          <p:cNvPr id="48" name="直接箭头连接符 47">
+            <a:extLst>
+              <a:ext uri="{FF2B5EF4-FFF2-40B4-BE49-F238E27FC236}">
+                <a16:creationId xmlns:a16="http://schemas.microsoft.com/office/drawing/2014/main" id="{B8FB397D-7A71-4AF1-3B5D-A7A3424F59A6}"/>
+              </a:ext>
+            </a:extLst>
+          </p:cNvPr>
+          <p:cNvCxnSpPr>
+            <a:cxnSpLocks/>
+          </p:cNvCxnSpPr>
+          <p:nvPr/>
+        </p:nvCxnSpPr>
+        <p:spPr>
+          <a:xfrm>
+            <a:off x="6225432" y="3101999"/>
+            <a:ext cx="308580" cy="0"/>
+          </a:xfrm>
+          <a:prstGeom prst="straightConnector1">
+            <a:avLst/>
+          </a:prstGeom>
+          <a:ln w="12700">
+            <a:solidFill>
+              <a:schemeClr val="tx1"/>
+            </a:solidFill>
+            <a:tailEnd type="triangle"/>
+          </a:ln>
+        </p:spPr>
+        <p:style>
+          <a:lnRef idx="1">
+            <a:schemeClr val="accent1"/>
+          </a:lnRef>
+          <a:fillRef idx="0">
+            <a:schemeClr val="accent1"/>
+          </a:fillRef>
+          <a:effectRef idx="0">
+            <a:schemeClr val="accent1"/>
+          </a:effectRef>
+          <a:fontRef idx="minor">
+            <a:schemeClr val="tx1"/>
+          </a:fontRef>
+        </p:style>
+      </p:cxnSp>
     </p:spTree>
     <p:extLst>
       <p:ext uri="{BB962C8B-B14F-4D97-AF65-F5344CB8AC3E}">
@@ -4540,7 +4515,7 @@
 <file path=ppt/theme/theme1.xml><?xml version="1.0" encoding="utf-8"?>
 <a:theme xmlns:a="http://schemas.openxmlformats.org/drawingml/2006/main" name="Office 主题​​">
   <a:themeElements>
-    <a:clrScheme name="Office">
+    <a:clrScheme name="Office 主题​​">
       <a:dk1>
         <a:sysClr val="windowText" lastClr="000000"/>
       </a:dk1>
@@ -4578,9 +4553,9 @@
         <a:srgbClr val="954F72"/>
       </a:folHlink>
     </a:clrScheme>
-    <a:fontScheme name="Office">
+    <a:fontScheme name="Office 主题​​">
       <a:majorFont>
-        <a:latin typeface="等线 Light" panose="020F0302020204030204"/>
+        <a:latin typeface="Calibri Light" panose="020F0302020204030204"/>
         <a:ea typeface=""/>
         <a:cs typeface=""/>
         <a:font script="Jpan" typeface="游ゴシック Light"/>
@@ -4613,26 +4588,9 @@
         <a:font script="Viet" typeface="Times New Roman"/>
         <a:font script="Uigh" typeface="Microsoft Uighur"/>
         <a:font script="Geor" typeface="Sylfaen"/>
-        <a:font script="Armn" typeface="Arial"/>
-        <a:font script="Bugi" typeface="Leelawadee UI"/>
-        <a:font script="Bopo" typeface="Microsoft JhengHei"/>
-        <a:font script="Java" typeface="Javanese Text"/>
-        <a:font script="Lisu" typeface="Segoe UI"/>
-        <a:font script="Mymr" typeface="Myanmar Text"/>
-        <a:font script="Nkoo" typeface="Ebrima"/>
-        <a:font script="Olck" typeface="Nirmala UI"/>
-        <a:font script="Osma" typeface="Ebrima"/>
-        <a:font script="Phag" typeface="Phagspa"/>
-        <a:font script="Syrn" typeface="Estrangelo Edessa"/>
-        <a:font script="Syrj" typeface="Estrangelo Edessa"/>
-        <a:font script="Syre" typeface="Estrangelo Edessa"/>
-        <a:font script="Sora" typeface="Nirmala UI"/>
-        <a:font script="Tale" typeface="Microsoft Tai Le"/>
-        <a:font script="Talu" typeface="Microsoft New Tai Lue"/>
-        <a:font script="Tfng" typeface="Ebrima"/>
       </a:majorFont>
       <a:minorFont>
-        <a:latin typeface="等线" panose="020F0502020204030204"/>
+        <a:latin typeface="Calibri" panose="020F0502020204030204"/>
         <a:ea typeface=""/>
         <a:cs typeface=""/>
         <a:font script="Jpan" typeface="游ゴシック"/>
@@ -4665,26 +4623,9 @@
         <a:font script="Viet" typeface="Arial"/>
         <a:font script="Uigh" typeface="Microsoft Uighur"/>
         <a:font script="Geor" typeface="Sylfaen"/>
-        <a:font script="Armn" typeface="Arial"/>
-        <a:font script="Bugi" typeface="Leelawadee UI"/>
-        <a:font script="Bopo" typeface="Microsoft JhengHei"/>
-        <a:font script="Java" typeface="Javanese Text"/>
-        <a:font script="Lisu" typeface="Segoe UI"/>
-        <a:font script="Mymr" typeface="Myanmar Text"/>
-        <a:font script="Nkoo" typeface="Ebrima"/>
-        <a:font script="Olck" typeface="Nirmala UI"/>
-        <a:font script="Osma" typeface="Ebrima"/>
-        <a:font script="Phag" typeface="Phagspa"/>
-        <a:font script="Syrn" typeface="Estrangelo Edessa"/>
-        <a:font script="Syrj" typeface="Estrangelo Edessa"/>
-        <a:font script="Syre" typeface="Estrangelo Edessa"/>
-        <a:font script="Sora" typeface="Nirmala UI"/>
-        <a:font script="Tale" typeface="Microsoft Tai Le"/>
-        <a:font script="Talu" typeface="Microsoft New Tai Lue"/>
-        <a:font script="Tfng" typeface="Ebrima"/>
       </a:minorFont>
     </a:fontScheme>
-    <a:fmtScheme name="Office">
+    <a:fmtScheme name="Office 主题​​">
       <a:fillStyleLst>
         <a:solidFill>
           <a:schemeClr val="phClr"/>
@@ -4826,7 +4767,7 @@
   <a:extraClrSchemeLst/>
   <a:extLst>
     <a:ext uri="{05A4C25C-085E-4340-85A3-A5531E510DB2}">
-      <thm15:themeFamily xmlns:thm15="http://schemas.microsoft.com/office/thememl/2012/main" name="Office Theme" id="{62F939B6-93AF-4DB8-9C6B-D6C7DFDC589F}" vid="{4A3C46E8-61CC-4603-A589-7422A47A8E4A}"/>
+      <thm15:themeFamily xmlns:thm15="http://schemas.microsoft.com/office/thememl/2012/main" name="Office Theme 2013 - 2022" id="{62F939B6-93AF-4DB8-9C6B-D6C7DFDC589F}" vid="{4A3C46E8-61CC-4603-A589-7422A47A8E4A}"/>
     </a:ext>
   </a:extLst>
 </a:theme>
